--- a/其他/引力波/引力波.pptx
+++ b/其他/引力波/引力波.pptx
@@ -7,21 +7,9 @@
   <p:sldIdLst>
     <p:sldId id="256" r:id="rId2"/>
     <p:sldId id="271" r:id="rId3"/>
-    <p:sldId id="270" r:id="rId4"/>
-    <p:sldId id="257" r:id="rId5"/>
-    <p:sldId id="262" r:id="rId6"/>
-    <p:sldId id="258" r:id="rId7"/>
-    <p:sldId id="272" r:id="rId8"/>
-    <p:sldId id="265" r:id="rId9"/>
-    <p:sldId id="259" r:id="rId10"/>
-    <p:sldId id="268" r:id="rId11"/>
-    <p:sldId id="266" r:id="rId12"/>
-    <p:sldId id="267" r:id="rId13"/>
-    <p:sldId id="264" r:id="rId14"/>
-    <p:sldId id="260" r:id="rId15"/>
-    <p:sldId id="269" r:id="rId16"/>
-    <p:sldId id="263" r:id="rId17"/>
-    <p:sldId id="261" r:id="rId18"/>
+    <p:sldId id="262" r:id="rId4"/>
+    <p:sldId id="259" r:id="rId5"/>
+    <p:sldId id="260" r:id="rId6"/>
   </p:sldIdLst>
   <p:sldSz cx="12192000" cy="6858000"/>
   <p:notesSz cx="6858000" cy="9144000"/>
@@ -259,7 +247,7 @@
           <a:p>
             <a:fld id="{9FFF370E-0298-4A93-B259-AFF5281DC169}" type="datetimeFigureOut">
               <a:rPr lang="zh-CN" altLang="en-US" smtClean="0"/>
-              <a:t>2017/11/21 Tuesday</a:t>
+              <a:t>2017/11/22 Wednesday</a:t>
             </a:fld>
             <a:endParaRPr lang="zh-CN" altLang="en-US"/>
           </a:p>
@@ -429,7 +417,7 @@
           <a:p>
             <a:fld id="{9FFF370E-0298-4A93-B259-AFF5281DC169}" type="datetimeFigureOut">
               <a:rPr lang="zh-CN" altLang="en-US" smtClean="0"/>
-              <a:t>2017/11/21 Tuesday</a:t>
+              <a:t>2017/11/22 Wednesday</a:t>
             </a:fld>
             <a:endParaRPr lang="zh-CN" altLang="en-US"/>
           </a:p>
@@ -609,7 +597,7 @@
           <a:p>
             <a:fld id="{9FFF370E-0298-4A93-B259-AFF5281DC169}" type="datetimeFigureOut">
               <a:rPr lang="zh-CN" altLang="en-US" smtClean="0"/>
-              <a:t>2017/11/21 Tuesday</a:t>
+              <a:t>2017/11/22 Wednesday</a:t>
             </a:fld>
             <a:endParaRPr lang="zh-CN" altLang="en-US"/>
           </a:p>
@@ -779,7 +767,7 @@
           <a:p>
             <a:fld id="{9FFF370E-0298-4A93-B259-AFF5281DC169}" type="datetimeFigureOut">
               <a:rPr lang="zh-CN" altLang="en-US" smtClean="0"/>
-              <a:t>2017/11/21 Tuesday</a:t>
+              <a:t>2017/11/22 Wednesday</a:t>
             </a:fld>
             <a:endParaRPr lang="zh-CN" altLang="en-US"/>
           </a:p>
@@ -1025,7 +1013,7 @@
           <a:p>
             <a:fld id="{9FFF370E-0298-4A93-B259-AFF5281DC169}" type="datetimeFigureOut">
               <a:rPr lang="zh-CN" altLang="en-US" smtClean="0"/>
-              <a:t>2017/11/21 Tuesday</a:t>
+              <a:t>2017/11/22 Wednesday</a:t>
             </a:fld>
             <a:endParaRPr lang="zh-CN" altLang="en-US"/>
           </a:p>
@@ -1257,7 +1245,7 @@
           <a:p>
             <a:fld id="{9FFF370E-0298-4A93-B259-AFF5281DC169}" type="datetimeFigureOut">
               <a:rPr lang="zh-CN" altLang="en-US" smtClean="0"/>
-              <a:t>2017/11/21 Tuesday</a:t>
+              <a:t>2017/11/22 Wednesday</a:t>
             </a:fld>
             <a:endParaRPr lang="zh-CN" altLang="en-US"/>
           </a:p>
@@ -1624,7 +1612,7 @@
           <a:p>
             <a:fld id="{9FFF370E-0298-4A93-B259-AFF5281DC169}" type="datetimeFigureOut">
               <a:rPr lang="zh-CN" altLang="en-US" smtClean="0"/>
-              <a:t>2017/11/21 Tuesday</a:t>
+              <a:t>2017/11/22 Wednesday</a:t>
             </a:fld>
             <a:endParaRPr lang="zh-CN" altLang="en-US"/>
           </a:p>
@@ -1742,7 +1730,7 @@
           <a:p>
             <a:fld id="{9FFF370E-0298-4A93-B259-AFF5281DC169}" type="datetimeFigureOut">
               <a:rPr lang="zh-CN" altLang="en-US" smtClean="0"/>
-              <a:t>2017/11/21 Tuesday</a:t>
+              <a:t>2017/11/22 Wednesday</a:t>
             </a:fld>
             <a:endParaRPr lang="zh-CN" altLang="en-US"/>
           </a:p>
@@ -1837,7 +1825,7 @@
           <a:p>
             <a:fld id="{9FFF370E-0298-4A93-B259-AFF5281DC169}" type="datetimeFigureOut">
               <a:rPr lang="zh-CN" altLang="en-US" smtClean="0"/>
-              <a:t>2017/11/21 Tuesday</a:t>
+              <a:t>2017/11/22 Wednesday</a:t>
             </a:fld>
             <a:endParaRPr lang="zh-CN" altLang="en-US"/>
           </a:p>
@@ -2114,7 +2102,7 @@
           <a:p>
             <a:fld id="{9FFF370E-0298-4A93-B259-AFF5281DC169}" type="datetimeFigureOut">
               <a:rPr lang="zh-CN" altLang="en-US" smtClean="0"/>
-              <a:t>2017/11/21 Tuesday</a:t>
+              <a:t>2017/11/22 Wednesday</a:t>
             </a:fld>
             <a:endParaRPr lang="zh-CN" altLang="en-US"/>
           </a:p>
@@ -2367,7 +2355,7 @@
           <a:p>
             <a:fld id="{9FFF370E-0298-4A93-B259-AFF5281DC169}" type="datetimeFigureOut">
               <a:rPr lang="zh-CN" altLang="en-US" smtClean="0"/>
-              <a:t>2017/11/21 Tuesday</a:t>
+              <a:t>2017/11/22 Wednesday</a:t>
             </a:fld>
             <a:endParaRPr lang="zh-CN" altLang="en-US"/>
           </a:p>
@@ -2580,7 +2568,7 @@
           <a:p>
             <a:fld id="{9FFF370E-0298-4A93-B259-AFF5281DC169}" type="datetimeFigureOut">
               <a:rPr lang="zh-CN" altLang="en-US" smtClean="0"/>
-              <a:t>2017/11/21 Tuesday</a:t>
+              <a:t>2017/11/22 Wednesday</a:t>
             </a:fld>
             <a:endParaRPr lang="zh-CN" altLang="en-US"/>
           </a:p>
@@ -2985,1374 +2973,51 @@
           <a:chExt cx="0" cy="0"/>
         </a:xfrm>
       </p:grpSpPr>
-      <p:sp>
-        <p:nvSpPr>
-          <p:cNvPr id="2" name="标题 1"/>
-          <p:cNvSpPr>
-            <a:spLocks noGrp="1"/>
-          </p:cNvSpPr>
-          <p:nvPr>
-            <p:ph type="ctrTitle"/>
-          </p:nvPr>
-        </p:nvSpPr>
-        <p:spPr/>
-        <p:txBody>
-          <a:bodyPr/>
-          <a:lstStyle/>
-          <a:p>
-            <a:r>
-              <a:rPr lang="zh-CN" altLang="en-US" dirty="0" smtClean="0"/>
-              <a:t>引力波</a:t>
-            </a:r>
-            <a:endParaRPr lang="zh-CN" altLang="en-US" dirty="0"/>
-          </a:p>
-        </p:txBody>
-      </p:sp>
+      <p:pic>
+        <p:nvPicPr>
+          <p:cNvPr id="1026" name="Picture 2" descr="https://imgsrc.baidu.com/baike/pic/item/2e2eb9389b504fc29625b26eeedde71190ef6d66.jpg"/>
+          <p:cNvPicPr>
+            <a:picLocks noChangeAspect="1" noChangeArrowheads="1"/>
+          </p:cNvPicPr>
+          <p:nvPr/>
+        </p:nvPicPr>
+        <p:blipFill>
+          <a:blip r:embed="rId2">
+            <a:extLst>
+              <a:ext uri="{28A0092B-C50C-407E-A947-70E740481C1C}">
+                <a14:useLocalDpi xmlns:a14="http://schemas.microsoft.com/office/drawing/2010/main" val="0"/>
+              </a:ext>
+            </a:extLst>
+          </a:blip>
+          <a:srcRect/>
+          <a:stretch>
+            <a:fillRect/>
+          </a:stretch>
+        </p:blipFill>
+        <p:spPr bwMode="auto">
+          <a:xfrm>
+            <a:off x="2782865" y="1384590"/>
+            <a:ext cx="6096000" cy="4067176"/>
+          </a:xfrm>
+          <a:prstGeom prst="rect">
+            <a:avLst/>
+          </a:prstGeom>
+          <a:noFill/>
+          <a:extLst>
+            <a:ext uri="{909E8E84-426E-40DD-AFC4-6F175D3DCCD1}">
+              <a14:hiddenFill xmlns:a14="http://schemas.microsoft.com/office/drawing/2010/main">
+                <a:solidFill>
+                  <a:srgbClr val="FFFFFF"/>
+                </a:solidFill>
+              </a14:hiddenFill>
+            </a:ext>
+          </a:extLst>
+        </p:spPr>
+      </p:pic>
     </p:spTree>
     <p:extLst>
       <p:ext uri="{BB962C8B-B14F-4D97-AF65-F5344CB8AC3E}">
         <p14:creationId xmlns:p14="http://schemas.microsoft.com/office/powerpoint/2010/main" val="255119992"/>
-      </p:ext>
-    </p:extLst>
-  </p:cSld>
-  <p:clrMapOvr>
-    <a:masterClrMapping/>
-  </p:clrMapOvr>
-</p:sld>
-</file>
-
-<file path=ppt/slides/slide10.xml><?xml version="1.0" encoding="utf-8"?>
-<p:sld xmlns:a="http://schemas.openxmlformats.org/drawingml/2006/main" xmlns:r="http://schemas.openxmlformats.org/officeDocument/2006/relationships" xmlns:p="http://schemas.openxmlformats.org/presentationml/2006/main">
-  <p:cSld>
-    <p:spTree>
-      <p:nvGrpSpPr>
-        <p:cNvPr id="1" name=""/>
-        <p:cNvGrpSpPr/>
-        <p:nvPr/>
-      </p:nvGrpSpPr>
-      <p:grpSpPr>
-        <a:xfrm>
-          <a:off x="0" y="0"/>
-          <a:ext cx="0" cy="0"/>
-          <a:chOff x="0" y="0"/>
-          <a:chExt cx="0" cy="0"/>
-        </a:xfrm>
-      </p:grpSpPr>
-      <p:sp>
-        <p:nvSpPr>
-          <p:cNvPr id="4" name="矩形 3"/>
-          <p:cNvSpPr/>
-          <p:nvPr/>
-        </p:nvSpPr>
-        <p:spPr>
-          <a:xfrm>
-            <a:off x="454925" y="245365"/>
-            <a:ext cx="11486866" cy="923330"/>
-          </a:xfrm>
-          <a:prstGeom prst="rect">
-            <a:avLst/>
-          </a:prstGeom>
-        </p:spPr>
-        <p:txBody>
-          <a:bodyPr wrap="square">
-            <a:spAutoFit/>
-          </a:bodyPr>
-          <a:lstStyle/>
-          <a:p>
-            <a:r>
-              <a:rPr lang="zh-CN" altLang="zh-CN" kern="0" dirty="0">
-                <a:solidFill>
-                  <a:srgbClr val="333333"/>
-                </a:solidFill>
-                <a:cs typeface="宋体" panose="02010600030101010101" pitchFamily="2" charset="-122"/>
-              </a:rPr>
-              <a:t>对于不喜欢睡眠被地震打扰的我来说，感受不到宇宙的震动是多么幸福。但物理学家可不这么想，他们急需感觉到震动，来证明自己确实读懂了宇宙。他们还希望通过对震动的研究，来把宇宙读得更懂。于是，他们发明了世界上最大和最贵的</a:t>
-            </a:r>
-            <a:r>
-              <a:rPr lang="en-US" altLang="zh-CN" kern="0" dirty="0">
-                <a:solidFill>
-                  <a:srgbClr val="333333"/>
-                </a:solidFill>
-                <a:cs typeface="宋体" panose="02010600030101010101" pitchFamily="2" charset="-122"/>
-              </a:rPr>
-              <a:t>......</a:t>
-            </a:r>
-            <a:r>
-              <a:rPr lang="zh-CN" altLang="zh-CN" kern="0" dirty="0">
-                <a:solidFill>
-                  <a:srgbClr val="333333"/>
-                </a:solidFill>
-                <a:cs typeface="宋体" panose="02010600030101010101" pitchFamily="2" charset="-122"/>
-              </a:rPr>
-              <a:t>圆规</a:t>
-            </a:r>
-            <a:r>
-              <a:rPr lang="en-US" altLang="zh-CN" kern="0" dirty="0">
-                <a:solidFill>
-                  <a:srgbClr val="333333"/>
-                </a:solidFill>
-                <a:cs typeface="宋体" panose="02010600030101010101" pitchFamily="2" charset="-122"/>
-              </a:rPr>
-              <a:t>?</a:t>
-            </a:r>
-            <a:r>
-              <a:rPr lang="zh-CN" altLang="zh-CN" kern="0" dirty="0">
-                <a:solidFill>
-                  <a:srgbClr val="333333"/>
-                </a:solidFill>
-                <a:cs typeface="宋体" panose="02010600030101010101" pitchFamily="2" charset="-122"/>
-              </a:rPr>
-              <a:t>或许很像，但他们把它叫做迈克耳逊干涉仪，或是</a:t>
-            </a:r>
-            <a:r>
-              <a:rPr lang="en-US" altLang="zh-CN" kern="0" dirty="0">
-                <a:solidFill>
-                  <a:srgbClr val="333333"/>
-                </a:solidFill>
-                <a:cs typeface="宋体" panose="02010600030101010101" pitchFamily="2" charset="-122"/>
-              </a:rPr>
-              <a:t>LIGO</a:t>
-            </a:r>
-            <a:r>
-              <a:rPr lang="zh-CN" altLang="zh-CN" kern="0" dirty="0">
-                <a:solidFill>
-                  <a:srgbClr val="333333"/>
-                </a:solidFill>
-                <a:cs typeface="宋体" panose="02010600030101010101" pitchFamily="2" charset="-122"/>
-              </a:rPr>
-              <a:t>。</a:t>
-            </a:r>
-            <a:endParaRPr lang="zh-CN" altLang="en-US" dirty="0"/>
-          </a:p>
-        </p:txBody>
-      </p:sp>
-      <p:sp>
-        <p:nvSpPr>
-          <p:cNvPr id="5" name="矩形 4"/>
-          <p:cNvSpPr/>
-          <p:nvPr/>
-        </p:nvSpPr>
-        <p:spPr>
-          <a:xfrm>
-            <a:off x="454926" y="1190978"/>
-            <a:ext cx="11486865" cy="3970318"/>
-          </a:xfrm>
-          <a:prstGeom prst="rect">
-            <a:avLst/>
-          </a:prstGeom>
-        </p:spPr>
-        <p:txBody>
-          <a:bodyPr wrap="square">
-            <a:spAutoFit/>
-          </a:bodyPr>
-          <a:lstStyle/>
-          <a:p>
-            <a:r>
-              <a:rPr lang="en-US" altLang="zh-CN" kern="0" dirty="0">
-                <a:solidFill>
-                  <a:srgbClr val="333333"/>
-                </a:solidFill>
-                <a:latin typeface="宋体" panose="02010600030101010101" pitchFamily="2" charset="-122"/>
-                <a:cs typeface="宋体" panose="02010600030101010101" pitchFamily="2" charset="-122"/>
-              </a:rPr>
-              <a:t>LIGO</a:t>
-            </a:r>
-            <a:r>
-              <a:rPr lang="zh-CN" altLang="zh-CN" kern="0" dirty="0">
-                <a:solidFill>
-                  <a:srgbClr val="333333"/>
-                </a:solidFill>
-                <a:cs typeface="宋体" panose="02010600030101010101" pitchFamily="2" charset="-122"/>
-              </a:rPr>
-              <a:t>的“两条腿”都有</a:t>
-            </a:r>
-            <a:r>
-              <a:rPr lang="en-US" altLang="zh-CN" kern="0" dirty="0">
-                <a:solidFill>
-                  <a:srgbClr val="333333"/>
-                </a:solidFill>
-                <a:cs typeface="宋体" panose="02010600030101010101" pitchFamily="2" charset="-122"/>
-              </a:rPr>
-              <a:t>4000</a:t>
-            </a:r>
-            <a:r>
-              <a:rPr lang="zh-CN" altLang="zh-CN" kern="0" dirty="0">
-                <a:solidFill>
-                  <a:srgbClr val="333333"/>
-                </a:solidFill>
-                <a:cs typeface="宋体" panose="02010600030101010101" pitchFamily="2" charset="-122"/>
-              </a:rPr>
-              <a:t>米长，最近的一次升级就花去了几十亿美元。</a:t>
-            </a:r>
-            <a:r>
-              <a:rPr lang="en-US" altLang="zh-CN" kern="0" dirty="0">
-                <a:solidFill>
-                  <a:srgbClr val="333333"/>
-                </a:solidFill>
-                <a:latin typeface="宋体" panose="02010600030101010101" pitchFamily="2" charset="-122"/>
-                <a:cs typeface="宋体" panose="02010600030101010101" pitchFamily="2" charset="-122"/>
-              </a:rPr>
-              <a:t/>
-            </a:r>
-            <a:br>
-              <a:rPr lang="en-US" altLang="zh-CN" kern="0" dirty="0">
-                <a:solidFill>
-                  <a:srgbClr val="333333"/>
-                </a:solidFill>
-                <a:latin typeface="宋体" panose="02010600030101010101" pitchFamily="2" charset="-122"/>
-                <a:cs typeface="宋体" panose="02010600030101010101" pitchFamily="2" charset="-122"/>
-              </a:rPr>
-            </a:br>
-            <a:r>
-              <a:rPr lang="en-US" altLang="zh-CN" kern="0" dirty="0">
-                <a:solidFill>
-                  <a:srgbClr val="333333"/>
-                </a:solidFill>
-                <a:latin typeface="宋体" panose="02010600030101010101" pitchFamily="2" charset="-122"/>
-                <a:cs typeface="宋体" panose="02010600030101010101" pitchFamily="2" charset="-122"/>
-              </a:rPr>
-              <a:t/>
-            </a:r>
-            <a:br>
-              <a:rPr lang="en-US" altLang="zh-CN" kern="0" dirty="0">
-                <a:solidFill>
-                  <a:srgbClr val="333333"/>
-                </a:solidFill>
-                <a:latin typeface="宋体" panose="02010600030101010101" pitchFamily="2" charset="-122"/>
-                <a:cs typeface="宋体" panose="02010600030101010101" pitchFamily="2" charset="-122"/>
-              </a:rPr>
-            </a:br>
-            <a:r>
-              <a:rPr lang="zh-CN" altLang="zh-CN" kern="0" dirty="0">
-                <a:solidFill>
-                  <a:srgbClr val="333333"/>
-                </a:solidFill>
-                <a:cs typeface="宋体" panose="02010600030101010101" pitchFamily="2" charset="-122"/>
-              </a:rPr>
-              <a:t>　　在大年初五带来引力波消息的</a:t>
-            </a:r>
-            <a:r>
-              <a:rPr lang="en-US" altLang="zh-CN" kern="0" dirty="0">
-                <a:solidFill>
-                  <a:srgbClr val="333333"/>
-                </a:solidFill>
-                <a:cs typeface="宋体" panose="02010600030101010101" pitchFamily="2" charset="-122"/>
-              </a:rPr>
-              <a:t>LIGO</a:t>
-            </a:r>
-            <a:r>
-              <a:rPr lang="zh-CN" altLang="zh-CN" kern="0" dirty="0">
-                <a:solidFill>
-                  <a:srgbClr val="333333"/>
-                </a:solidFill>
-                <a:cs typeface="宋体" panose="02010600030101010101" pitchFamily="2" charset="-122"/>
-              </a:rPr>
-              <a:t>并不像财神，相反，这个美国国家科学基金会</a:t>
-            </a:r>
-            <a:r>
-              <a:rPr lang="en-US" altLang="zh-CN" kern="0" dirty="0">
-                <a:solidFill>
-                  <a:srgbClr val="333333"/>
-                </a:solidFill>
-                <a:cs typeface="宋体" panose="02010600030101010101" pitchFamily="2" charset="-122"/>
-              </a:rPr>
-              <a:t>(NSF)</a:t>
-            </a:r>
-            <a:r>
-              <a:rPr lang="zh-CN" altLang="zh-CN" kern="0" dirty="0">
-                <a:solidFill>
-                  <a:srgbClr val="333333"/>
-                </a:solidFill>
-                <a:cs typeface="宋体" panose="02010600030101010101" pitchFamily="2" charset="-122"/>
-              </a:rPr>
-              <a:t>资助的项目前前后后已经花去了数十亿美元。</a:t>
-            </a:r>
-            <a:r>
-              <a:rPr lang="en-US" altLang="zh-CN" kern="0" dirty="0">
-                <a:solidFill>
-                  <a:srgbClr val="333333"/>
-                </a:solidFill>
-                <a:latin typeface="宋体" panose="02010600030101010101" pitchFamily="2" charset="-122"/>
-                <a:cs typeface="宋体" panose="02010600030101010101" pitchFamily="2" charset="-122"/>
-              </a:rPr>
-              <a:t/>
-            </a:r>
-            <a:br>
-              <a:rPr lang="en-US" altLang="zh-CN" kern="0" dirty="0">
-                <a:solidFill>
-                  <a:srgbClr val="333333"/>
-                </a:solidFill>
-                <a:latin typeface="宋体" panose="02010600030101010101" pitchFamily="2" charset="-122"/>
-                <a:cs typeface="宋体" panose="02010600030101010101" pitchFamily="2" charset="-122"/>
-              </a:rPr>
-            </a:br>
-            <a:r>
-              <a:rPr lang="en-US" altLang="zh-CN" kern="0" dirty="0">
-                <a:solidFill>
-                  <a:srgbClr val="333333"/>
-                </a:solidFill>
-                <a:latin typeface="宋体" panose="02010600030101010101" pitchFamily="2" charset="-122"/>
-                <a:cs typeface="宋体" panose="02010600030101010101" pitchFamily="2" charset="-122"/>
-              </a:rPr>
-              <a:t/>
-            </a:r>
-            <a:br>
-              <a:rPr lang="en-US" altLang="zh-CN" kern="0" dirty="0">
-                <a:solidFill>
-                  <a:srgbClr val="333333"/>
-                </a:solidFill>
-                <a:latin typeface="宋体" panose="02010600030101010101" pitchFamily="2" charset="-122"/>
-                <a:cs typeface="宋体" panose="02010600030101010101" pitchFamily="2" charset="-122"/>
-              </a:rPr>
-            </a:br>
-            <a:r>
-              <a:rPr lang="zh-CN" altLang="zh-CN" kern="0" dirty="0">
-                <a:solidFill>
-                  <a:srgbClr val="333333"/>
-                </a:solidFill>
-                <a:cs typeface="宋体" panose="02010600030101010101" pitchFamily="2" charset="-122"/>
-              </a:rPr>
-              <a:t>　　</a:t>
-            </a:r>
-            <a:r>
-              <a:rPr lang="en-US" altLang="zh-CN" kern="0" dirty="0">
-                <a:solidFill>
-                  <a:srgbClr val="333333"/>
-                </a:solidFill>
-                <a:cs typeface="宋体" panose="02010600030101010101" pitchFamily="2" charset="-122"/>
-              </a:rPr>
-              <a:t>LIGO</a:t>
-            </a:r>
-            <a:r>
-              <a:rPr lang="zh-CN" altLang="zh-CN" kern="0" dirty="0">
-                <a:solidFill>
-                  <a:srgbClr val="333333"/>
-                </a:solidFill>
-                <a:cs typeface="宋体" panose="02010600030101010101" pitchFamily="2" charset="-122"/>
-              </a:rPr>
-              <a:t>的原理是什么</a:t>
-            </a:r>
-            <a:r>
-              <a:rPr lang="en-US" altLang="zh-CN" kern="0" dirty="0">
-                <a:solidFill>
-                  <a:srgbClr val="333333"/>
-                </a:solidFill>
-                <a:cs typeface="宋体" panose="02010600030101010101" pitchFamily="2" charset="-122"/>
-              </a:rPr>
-              <a:t>?</a:t>
-            </a:r>
-            <a:r>
-              <a:rPr lang="zh-CN" altLang="zh-CN" kern="0" dirty="0">
-                <a:solidFill>
-                  <a:srgbClr val="333333"/>
-                </a:solidFill>
-                <a:cs typeface="宋体" panose="02010600030101010101" pitchFamily="2" charset="-122"/>
-              </a:rPr>
-              <a:t>假设我们有两个短跑运动员，他们在任何情况下跑步速度都一样，那么，如果跑道因为引力波扰动，长度发生了变化——就像蹦床表面会因受力，在一个方向上拉伸一样，他们从</a:t>
-            </a:r>
-            <a:r>
-              <a:rPr lang="en-US" altLang="zh-CN" kern="0" dirty="0">
-                <a:solidFill>
-                  <a:srgbClr val="333333"/>
-                </a:solidFill>
-                <a:cs typeface="宋体" panose="02010600030101010101" pitchFamily="2" charset="-122"/>
-              </a:rPr>
-              <a:t>LIGO</a:t>
-            </a:r>
-            <a:r>
-              <a:rPr lang="zh-CN" altLang="zh-CN" kern="0" dirty="0">
-                <a:solidFill>
-                  <a:srgbClr val="333333"/>
-                </a:solidFill>
-                <a:cs typeface="宋体" panose="02010600030101010101" pitchFamily="2" charset="-122"/>
-              </a:rPr>
-              <a:t>的两条腿上跑回来的时间就会发生些微的差异。我们就知道，空间确实在震动。</a:t>
-            </a:r>
-            <a:r>
-              <a:rPr lang="en-US" altLang="zh-CN" kern="0" dirty="0">
-                <a:solidFill>
-                  <a:srgbClr val="333333"/>
-                </a:solidFill>
-                <a:latin typeface="宋体" panose="02010600030101010101" pitchFamily="2" charset="-122"/>
-                <a:cs typeface="宋体" panose="02010600030101010101" pitchFamily="2" charset="-122"/>
-              </a:rPr>
-              <a:t/>
-            </a:r>
-            <a:br>
-              <a:rPr lang="en-US" altLang="zh-CN" kern="0" dirty="0">
-                <a:solidFill>
-                  <a:srgbClr val="333333"/>
-                </a:solidFill>
-                <a:latin typeface="宋体" panose="02010600030101010101" pitchFamily="2" charset="-122"/>
-                <a:cs typeface="宋体" panose="02010600030101010101" pitchFamily="2" charset="-122"/>
-              </a:rPr>
-            </a:br>
-            <a:r>
-              <a:rPr lang="en-US" altLang="zh-CN" kern="0" dirty="0">
-                <a:solidFill>
-                  <a:srgbClr val="333333"/>
-                </a:solidFill>
-                <a:latin typeface="宋体" panose="02010600030101010101" pitchFamily="2" charset="-122"/>
-                <a:cs typeface="宋体" panose="02010600030101010101" pitchFamily="2" charset="-122"/>
-              </a:rPr>
-              <a:t/>
-            </a:r>
-            <a:br>
-              <a:rPr lang="en-US" altLang="zh-CN" kern="0" dirty="0">
-                <a:solidFill>
-                  <a:srgbClr val="333333"/>
-                </a:solidFill>
-                <a:latin typeface="宋体" panose="02010600030101010101" pitchFamily="2" charset="-122"/>
-                <a:cs typeface="宋体" panose="02010600030101010101" pitchFamily="2" charset="-122"/>
-              </a:rPr>
-            </a:br>
-            <a:r>
-              <a:rPr lang="zh-CN" altLang="zh-CN" kern="0" dirty="0">
-                <a:solidFill>
-                  <a:srgbClr val="333333"/>
-                </a:solidFill>
-                <a:cs typeface="宋体" panose="02010600030101010101" pitchFamily="2" charset="-122"/>
-              </a:rPr>
-              <a:t>　　然而，这并不是那么简单的。最简单的两个原因</a:t>
-            </a:r>
-            <a:r>
-              <a:rPr lang="zh-CN" altLang="zh-CN" kern="0" dirty="0" smtClean="0">
-                <a:solidFill>
-                  <a:srgbClr val="333333"/>
-                </a:solidFill>
-                <a:cs typeface="宋体" panose="02010600030101010101" pitchFamily="2" charset="-122"/>
-              </a:rPr>
-              <a:t>——</a:t>
-            </a:r>
-            <a:endParaRPr lang="en-US" altLang="zh-CN" kern="0" dirty="0" smtClean="0">
-              <a:solidFill>
-                <a:srgbClr val="333333"/>
-              </a:solidFill>
-              <a:cs typeface="宋体" panose="02010600030101010101" pitchFamily="2" charset="-122"/>
-            </a:endParaRPr>
-          </a:p>
-          <a:p>
-            <a:r>
-              <a:rPr lang="zh-CN" altLang="zh-CN" kern="0" dirty="0" smtClean="0">
-                <a:solidFill>
-                  <a:srgbClr val="333333"/>
-                </a:solidFill>
-                <a:cs typeface="宋体" panose="02010600030101010101" pitchFamily="2" charset="-122"/>
-              </a:rPr>
-              <a:t>第一</a:t>
-            </a:r>
-            <a:r>
-              <a:rPr lang="zh-CN" altLang="zh-CN" kern="0" dirty="0">
-                <a:solidFill>
-                  <a:srgbClr val="333333"/>
-                </a:solidFill>
-                <a:cs typeface="宋体" panose="02010600030101010101" pitchFamily="2" charset="-122"/>
-              </a:rPr>
-              <a:t>，震动太小了，也许</a:t>
-            </a:r>
-            <a:r>
-              <a:rPr lang="en-US" altLang="zh-CN" kern="0" dirty="0">
-                <a:solidFill>
-                  <a:srgbClr val="333333"/>
-                </a:solidFill>
-                <a:cs typeface="宋体" panose="02010600030101010101" pitchFamily="2" charset="-122"/>
-              </a:rPr>
-              <a:t>4000</a:t>
-            </a:r>
-            <a:r>
-              <a:rPr lang="zh-CN" altLang="zh-CN" kern="0" dirty="0">
-                <a:solidFill>
-                  <a:srgbClr val="333333"/>
-                </a:solidFill>
-                <a:cs typeface="宋体" panose="02010600030101010101" pitchFamily="2" charset="-122"/>
-              </a:rPr>
-              <a:t>米只会发生</a:t>
-            </a:r>
-            <a:r>
-              <a:rPr lang="en-US" altLang="zh-CN" kern="0" dirty="0">
-                <a:solidFill>
-                  <a:srgbClr val="333333"/>
-                </a:solidFill>
-                <a:cs typeface="宋体" panose="02010600030101010101" pitchFamily="2" charset="-122"/>
-              </a:rPr>
-              <a:t>0.000000000000000001</a:t>
-            </a:r>
-            <a:r>
-              <a:rPr lang="zh-CN" altLang="zh-CN" kern="0" dirty="0">
-                <a:solidFill>
-                  <a:srgbClr val="333333"/>
-                </a:solidFill>
-                <a:cs typeface="宋体" panose="02010600030101010101" pitchFamily="2" charset="-122"/>
-              </a:rPr>
-              <a:t>米</a:t>
-            </a:r>
-            <a:r>
-              <a:rPr lang="en-US" altLang="zh-CN" kern="0" dirty="0">
-                <a:solidFill>
-                  <a:srgbClr val="333333"/>
-                </a:solidFill>
-                <a:cs typeface="宋体" panose="02010600030101010101" pitchFamily="2" charset="-122"/>
-              </a:rPr>
-              <a:t>(</a:t>
-            </a:r>
-            <a:r>
-              <a:rPr lang="zh-CN" altLang="zh-CN" kern="0" dirty="0">
-                <a:solidFill>
-                  <a:srgbClr val="333333"/>
-                </a:solidFill>
-                <a:cs typeface="宋体" panose="02010600030101010101" pitchFamily="2" charset="-122"/>
-              </a:rPr>
-              <a:t>我帮你数好了，这里应该有</a:t>
-            </a:r>
-            <a:r>
-              <a:rPr lang="en-US" altLang="zh-CN" kern="0" dirty="0">
-                <a:solidFill>
-                  <a:srgbClr val="333333"/>
-                </a:solidFill>
-                <a:cs typeface="宋体" panose="02010600030101010101" pitchFamily="2" charset="-122"/>
-              </a:rPr>
-              <a:t>17</a:t>
-            </a:r>
-            <a:r>
-              <a:rPr lang="zh-CN" altLang="zh-CN" kern="0" dirty="0">
-                <a:solidFill>
-                  <a:srgbClr val="333333"/>
-                </a:solidFill>
-                <a:cs typeface="宋体" panose="02010600030101010101" pitchFamily="2" charset="-122"/>
-              </a:rPr>
-              <a:t>个</a:t>
-            </a:r>
-            <a:r>
-              <a:rPr lang="en-US" altLang="zh-CN" kern="0" dirty="0">
-                <a:solidFill>
-                  <a:srgbClr val="333333"/>
-                </a:solidFill>
-                <a:cs typeface="宋体" panose="02010600030101010101" pitchFamily="2" charset="-122"/>
-              </a:rPr>
-              <a:t>0)</a:t>
-            </a:r>
-            <a:r>
-              <a:rPr lang="zh-CN" altLang="zh-CN" kern="0" dirty="0">
-                <a:solidFill>
-                  <a:srgbClr val="333333"/>
-                </a:solidFill>
-                <a:cs typeface="宋体" panose="02010600030101010101" pitchFamily="2" charset="-122"/>
-              </a:rPr>
-              <a:t>的变化。虽然圆规腿已经这么长了，这也这只是勉强能让我们感觉到两侧运动员，也就是激光回来的差异</a:t>
-            </a:r>
-            <a:r>
-              <a:rPr lang="zh-CN" altLang="zh-CN" kern="0" dirty="0" smtClean="0">
-                <a:solidFill>
-                  <a:srgbClr val="333333"/>
-                </a:solidFill>
-                <a:cs typeface="宋体" panose="02010600030101010101" pitchFamily="2" charset="-122"/>
-              </a:rPr>
-              <a:t>。</a:t>
-            </a:r>
-            <a:endParaRPr lang="en-US" altLang="zh-CN" kern="0" dirty="0" smtClean="0">
-              <a:solidFill>
-                <a:srgbClr val="333333"/>
-              </a:solidFill>
-              <a:cs typeface="宋体" panose="02010600030101010101" pitchFamily="2" charset="-122"/>
-            </a:endParaRPr>
-          </a:p>
-          <a:p>
-            <a:r>
-              <a:rPr lang="zh-CN" altLang="zh-CN" kern="0" dirty="0" smtClean="0">
-                <a:solidFill>
-                  <a:srgbClr val="333333"/>
-                </a:solidFill>
-                <a:cs typeface="宋体" panose="02010600030101010101" pitchFamily="2" charset="-122"/>
-              </a:rPr>
-              <a:t>第二</a:t>
-            </a:r>
-            <a:r>
-              <a:rPr lang="zh-CN" altLang="zh-CN" kern="0" dirty="0">
-                <a:solidFill>
-                  <a:srgbClr val="333333"/>
-                </a:solidFill>
-                <a:cs typeface="宋体" panose="02010600030101010101" pitchFamily="2" charset="-122"/>
-              </a:rPr>
-              <a:t>，我们不能让诸如跺脚、打喷嚏或是</a:t>
-            </a:r>
-            <a:r>
-              <a:rPr lang="zh-CN" altLang="zh-CN" kern="0" dirty="0">
-                <a:solidFill>
-                  <a:srgbClr val="FF0000"/>
-                </a:solidFill>
-                <a:cs typeface="宋体" panose="02010600030101010101" pitchFamily="2" charset="-122"/>
-              </a:rPr>
-              <a:t>地震</a:t>
-            </a:r>
-            <a:r>
-              <a:rPr lang="zh-CN" altLang="zh-CN" kern="0" dirty="0">
-                <a:solidFill>
-                  <a:srgbClr val="333333"/>
-                </a:solidFill>
-                <a:cs typeface="宋体" panose="02010600030101010101" pitchFamily="2" charset="-122"/>
-              </a:rPr>
-              <a:t>影响我们的观测，所以要用各种设备让两条腿稳定。同时，我们还要在很远的地方再建一个，如果两个都震了，我们就知道这不是科研人员绝望情况下掀桌子引起的</a:t>
-            </a:r>
-            <a:r>
-              <a:rPr lang="zh-CN" altLang="zh-CN" kern="0" dirty="0" smtClean="0">
-                <a:solidFill>
-                  <a:srgbClr val="333333"/>
-                </a:solidFill>
-                <a:cs typeface="宋体" panose="02010600030101010101" pitchFamily="2" charset="-122"/>
-              </a:rPr>
-              <a:t>。</a:t>
-            </a:r>
-            <a:endParaRPr lang="zh-CN" altLang="en-US" dirty="0"/>
-          </a:p>
-        </p:txBody>
-      </p:sp>
-    </p:spTree>
-    <p:extLst>
-      <p:ext uri="{BB962C8B-B14F-4D97-AF65-F5344CB8AC3E}">
-        <p14:creationId xmlns:p14="http://schemas.microsoft.com/office/powerpoint/2010/main" val="2485184359"/>
-      </p:ext>
-    </p:extLst>
-  </p:cSld>
-  <p:clrMapOvr>
-    <a:masterClrMapping/>
-  </p:clrMapOvr>
-</p:sld>
-</file>
-
-<file path=ppt/slides/slide11.xml><?xml version="1.0" encoding="utf-8"?>
-<p:sld xmlns:a="http://schemas.openxmlformats.org/drawingml/2006/main" xmlns:r="http://schemas.openxmlformats.org/officeDocument/2006/relationships" xmlns:p="http://schemas.openxmlformats.org/presentationml/2006/main">
-  <p:cSld>
-    <p:spTree>
-      <p:nvGrpSpPr>
-        <p:cNvPr id="1" name=""/>
-        <p:cNvGrpSpPr/>
-        <p:nvPr/>
-      </p:nvGrpSpPr>
-      <p:grpSpPr>
-        <a:xfrm>
-          <a:off x="0" y="0"/>
-          <a:ext cx="0" cy="0"/>
-          <a:chOff x="0" y="0"/>
-          <a:chExt cx="0" cy="0"/>
-        </a:xfrm>
-      </p:grpSpPr>
-      <p:sp>
-        <p:nvSpPr>
-          <p:cNvPr id="2" name="标题 1"/>
-          <p:cNvSpPr>
-            <a:spLocks noGrp="1"/>
-          </p:cNvSpPr>
-          <p:nvPr>
-            <p:ph type="ctrTitle"/>
-          </p:nvPr>
-        </p:nvSpPr>
-        <p:spPr/>
-        <p:txBody>
-          <a:bodyPr/>
-          <a:lstStyle/>
-          <a:p>
-            <a:r>
-              <a:rPr lang="zh-CN" altLang="en-US" dirty="0"/>
-              <a:t>引力波的勘测怎么避免地震的影响</a:t>
-            </a:r>
-          </a:p>
-        </p:txBody>
-      </p:sp>
-    </p:spTree>
-    <p:extLst>
-      <p:ext uri="{BB962C8B-B14F-4D97-AF65-F5344CB8AC3E}">
-        <p14:creationId xmlns:p14="http://schemas.microsoft.com/office/powerpoint/2010/main" val="124707505"/>
-      </p:ext>
-    </p:extLst>
-  </p:cSld>
-  <p:clrMapOvr>
-    <a:masterClrMapping/>
-  </p:clrMapOvr>
-</p:sld>
-</file>
-
-<file path=ppt/slides/slide12.xml><?xml version="1.0" encoding="utf-8"?>
-<p:sld xmlns:a="http://schemas.openxmlformats.org/drawingml/2006/main" xmlns:r="http://schemas.openxmlformats.org/officeDocument/2006/relationships" xmlns:p="http://schemas.openxmlformats.org/presentationml/2006/main">
-  <p:cSld>
-    <p:spTree>
-      <p:nvGrpSpPr>
-        <p:cNvPr id="1" name=""/>
-        <p:cNvGrpSpPr/>
-        <p:nvPr/>
-      </p:nvGrpSpPr>
-      <p:grpSpPr>
-        <a:xfrm>
-          <a:off x="0" y="0"/>
-          <a:ext cx="0" cy="0"/>
-          <a:chOff x="0" y="0"/>
-          <a:chExt cx="0" cy="0"/>
-        </a:xfrm>
-      </p:grpSpPr>
-      <p:sp>
-        <p:nvSpPr>
-          <p:cNvPr id="4" name="矩形 3"/>
-          <p:cNvSpPr/>
-          <p:nvPr/>
-        </p:nvSpPr>
-        <p:spPr>
-          <a:xfrm>
-            <a:off x="673289" y="450082"/>
-            <a:ext cx="10818126" cy="923330"/>
-          </a:xfrm>
-          <a:prstGeom prst="rect">
-            <a:avLst/>
-          </a:prstGeom>
-        </p:spPr>
-        <p:txBody>
-          <a:bodyPr wrap="square">
-            <a:spAutoFit/>
-          </a:bodyPr>
-          <a:lstStyle/>
-          <a:p>
-            <a:r>
-              <a:rPr lang="zh-CN" altLang="en-US" dirty="0">
-                <a:solidFill>
-                  <a:srgbClr val="262626"/>
-                </a:solidFill>
-                <a:latin typeface="-apple-system"/>
-              </a:rPr>
-              <a:t>引力波勘测的实验室原理大概是，两个长度几公里的管道，相互垂直。然后前些时候我们测到的引力波，大小相当于原子碰撞。我想问这么小的数值，是怎么规避地震的影响的？</a:t>
-            </a:r>
-            <a:r>
-              <a:rPr lang="zh-CN" altLang="en-US" dirty="0"/>
-              <a:t/>
-            </a:r>
-            <a:br>
-              <a:rPr lang="zh-CN" altLang="en-US" dirty="0"/>
-            </a:br>
-            <a:r>
-              <a:rPr lang="zh-CN" altLang="en-US" dirty="0">
-                <a:solidFill>
-                  <a:srgbClr val="262626"/>
-                </a:solidFill>
-                <a:latin typeface="-apple-system"/>
-              </a:rPr>
-              <a:t>我们都知道地震无时无刻都在发生，这么小的波动，实验室制造的仪器是怎么和引力波区分开的？</a:t>
-            </a:r>
-            <a:endParaRPr lang="zh-CN" altLang="en-US" dirty="0"/>
-          </a:p>
-        </p:txBody>
-      </p:sp>
-    </p:spTree>
-    <p:extLst>
-      <p:ext uri="{BB962C8B-B14F-4D97-AF65-F5344CB8AC3E}">
-        <p14:creationId xmlns:p14="http://schemas.microsoft.com/office/powerpoint/2010/main" val="2135009713"/>
-      </p:ext>
-    </p:extLst>
-  </p:cSld>
-  <p:clrMapOvr>
-    <a:masterClrMapping/>
-  </p:clrMapOvr>
-</p:sld>
-</file>
-
-<file path=ppt/slides/slide13.xml><?xml version="1.0" encoding="utf-8"?>
-<p:sld xmlns:a="http://schemas.openxmlformats.org/drawingml/2006/main" xmlns:r="http://schemas.openxmlformats.org/officeDocument/2006/relationships" xmlns:p="http://schemas.openxmlformats.org/presentationml/2006/main">
-  <p:cSld>
-    <p:spTree>
-      <p:nvGrpSpPr>
-        <p:cNvPr id="1" name=""/>
-        <p:cNvGrpSpPr/>
-        <p:nvPr/>
-      </p:nvGrpSpPr>
-      <p:grpSpPr>
-        <a:xfrm>
-          <a:off x="0" y="0"/>
-          <a:ext cx="0" cy="0"/>
-          <a:chOff x="0" y="0"/>
-          <a:chExt cx="0" cy="0"/>
-        </a:xfrm>
-      </p:grpSpPr>
-      <p:sp>
-        <p:nvSpPr>
-          <p:cNvPr id="4" name="矩形 3"/>
-          <p:cNvSpPr/>
-          <p:nvPr/>
-        </p:nvSpPr>
-        <p:spPr>
-          <a:xfrm>
-            <a:off x="809766" y="464216"/>
-            <a:ext cx="10722591" cy="335989"/>
-          </a:xfrm>
-          <a:prstGeom prst="rect">
-            <a:avLst/>
-          </a:prstGeom>
-        </p:spPr>
-        <p:txBody>
-          <a:bodyPr wrap="square">
-            <a:spAutoFit/>
-          </a:bodyPr>
-          <a:lstStyle/>
-          <a:p>
-            <a:pPr>
-              <a:lnSpc>
-                <a:spcPts val="1920"/>
-              </a:lnSpc>
-              <a:spcAft>
-                <a:spcPts val="0"/>
-              </a:spcAft>
-            </a:pPr>
-            <a:r>
-              <a:rPr lang="zh-CN" altLang="zh-CN" dirty="0">
-                <a:solidFill>
-                  <a:srgbClr val="3E3E3E"/>
-                </a:solidFill>
-                <a:latin typeface="宋体" panose="02010600030101010101" pitchFamily="2" charset="-122"/>
-                <a:ea typeface="微软雅黑" panose="020B0503020204020204" pitchFamily="34" charset="-122"/>
-                <a:cs typeface="宋体" panose="02010600030101010101" pitchFamily="2" charset="-122"/>
-              </a:rPr>
-              <a:t>后来，在</a:t>
-            </a:r>
-            <a:r>
-              <a:rPr lang="en-US" altLang="zh-CN" dirty="0">
-                <a:solidFill>
-                  <a:srgbClr val="3E3E3E"/>
-                </a:solidFill>
-                <a:latin typeface="宋体" panose="02010600030101010101" pitchFamily="2" charset="-122"/>
-                <a:ea typeface="微软雅黑" panose="020B0503020204020204" pitchFamily="34" charset="-122"/>
-                <a:cs typeface="宋体" panose="02010600030101010101" pitchFamily="2" charset="-122"/>
-              </a:rPr>
-              <a:t> 2015 </a:t>
-            </a:r>
-            <a:r>
-              <a:rPr lang="zh-CN" altLang="zh-CN" dirty="0">
-                <a:solidFill>
-                  <a:srgbClr val="3E3E3E"/>
-                </a:solidFill>
-                <a:latin typeface="宋体" panose="02010600030101010101" pitchFamily="2" charset="-122"/>
-                <a:ea typeface="微软雅黑" panose="020B0503020204020204" pitchFamily="34" charset="-122"/>
-                <a:cs typeface="宋体" panose="02010600030101010101" pitchFamily="2" charset="-122"/>
-              </a:rPr>
-              <a:t>年美国两个天文台同时探测到引力波信号，也是人类第一次观测到引力波。</a:t>
-            </a:r>
-            <a:endParaRPr lang="zh-CN" altLang="zh-CN" dirty="0">
-              <a:latin typeface="宋体" panose="02010600030101010101" pitchFamily="2" charset="-122"/>
-              <a:cs typeface="宋体" panose="02010600030101010101" pitchFamily="2" charset="-122"/>
-            </a:endParaRPr>
-          </a:p>
-        </p:txBody>
-      </p:sp>
-    </p:spTree>
-    <p:extLst>
-      <p:ext uri="{BB962C8B-B14F-4D97-AF65-F5344CB8AC3E}">
-        <p14:creationId xmlns:p14="http://schemas.microsoft.com/office/powerpoint/2010/main" val="2293084564"/>
-      </p:ext>
-    </p:extLst>
-  </p:cSld>
-  <p:clrMapOvr>
-    <a:masterClrMapping/>
-  </p:clrMapOvr>
-</p:sld>
-</file>
-
-<file path=ppt/slides/slide14.xml><?xml version="1.0" encoding="utf-8"?>
-<p:sld xmlns:a="http://schemas.openxmlformats.org/drawingml/2006/main" xmlns:r="http://schemas.openxmlformats.org/officeDocument/2006/relationships" xmlns:p="http://schemas.openxmlformats.org/presentationml/2006/main">
-  <p:cSld>
-    <p:spTree>
-      <p:nvGrpSpPr>
-        <p:cNvPr id="1" name=""/>
-        <p:cNvGrpSpPr/>
-        <p:nvPr/>
-      </p:nvGrpSpPr>
-      <p:grpSpPr>
-        <a:xfrm>
-          <a:off x="0" y="0"/>
-          <a:ext cx="0" cy="0"/>
-          <a:chOff x="0" y="0"/>
-          <a:chExt cx="0" cy="0"/>
-        </a:xfrm>
-      </p:grpSpPr>
-      <p:sp>
-        <p:nvSpPr>
-          <p:cNvPr id="2" name="标题 1"/>
-          <p:cNvSpPr>
-            <a:spLocks noGrp="1"/>
-          </p:cNvSpPr>
-          <p:nvPr>
-            <p:ph type="ctrTitle"/>
-          </p:nvPr>
-        </p:nvSpPr>
-        <p:spPr/>
-        <p:txBody>
-          <a:bodyPr/>
-          <a:lstStyle/>
-          <a:p>
-            <a:r>
-              <a:rPr lang="zh-CN" altLang="en-US" dirty="0"/>
-              <a:t>引力波能带来什么</a:t>
-            </a:r>
-          </a:p>
-        </p:txBody>
-      </p:sp>
-    </p:spTree>
-    <p:extLst>
-      <p:ext uri="{BB962C8B-B14F-4D97-AF65-F5344CB8AC3E}">
-        <p14:creationId xmlns:p14="http://schemas.microsoft.com/office/powerpoint/2010/main" val="3894435010"/>
-      </p:ext>
-    </p:extLst>
-  </p:cSld>
-  <p:clrMapOvr>
-    <a:masterClrMapping/>
-  </p:clrMapOvr>
-</p:sld>
-</file>
-
-<file path=ppt/slides/slide15.xml><?xml version="1.0" encoding="utf-8"?>
-<p:sld xmlns:a="http://schemas.openxmlformats.org/drawingml/2006/main" xmlns:r="http://schemas.openxmlformats.org/officeDocument/2006/relationships" xmlns:p="http://schemas.openxmlformats.org/presentationml/2006/main">
-  <p:cSld>
-    <p:spTree>
-      <p:nvGrpSpPr>
-        <p:cNvPr id="1" name=""/>
-        <p:cNvGrpSpPr/>
-        <p:nvPr/>
-      </p:nvGrpSpPr>
-      <p:grpSpPr>
-        <a:xfrm>
-          <a:off x="0" y="0"/>
-          <a:ext cx="0" cy="0"/>
-          <a:chOff x="0" y="0"/>
-          <a:chExt cx="0" cy="0"/>
-        </a:xfrm>
-      </p:grpSpPr>
-      <p:sp>
-        <p:nvSpPr>
-          <p:cNvPr id="4" name="矩形 3"/>
-          <p:cNvSpPr/>
-          <p:nvPr/>
-        </p:nvSpPr>
-        <p:spPr>
-          <a:xfrm>
-            <a:off x="491319" y="329779"/>
-            <a:ext cx="11013743" cy="5632311"/>
-          </a:xfrm>
-          <a:prstGeom prst="rect">
-            <a:avLst/>
-          </a:prstGeom>
-        </p:spPr>
-        <p:txBody>
-          <a:bodyPr wrap="square">
-            <a:spAutoFit/>
-          </a:bodyPr>
-          <a:lstStyle/>
-          <a:p>
-            <a:pPr algn="just">
-              <a:spcAft>
-                <a:spcPts val="0"/>
-              </a:spcAft>
-            </a:pPr>
-            <a:r>
-              <a:rPr lang="zh-CN" altLang="zh-CN" kern="0" dirty="0">
-                <a:solidFill>
-                  <a:srgbClr val="333333"/>
-                </a:solidFill>
-                <a:latin typeface="Calibri" panose="020F0502020204030204" pitchFamily="34" charset="0"/>
-                <a:cs typeface="宋体" panose="02010600030101010101" pitchFamily="2" charset="-122"/>
-              </a:rPr>
-              <a:t>对于大众来说，或许会怀疑花费这么多美元——教育家会计算能建多少学校，贫困国家会计算能买多少粮食，诸如此类——去探索引力波有何意义。但对疯狂的物理学家来说，他们会觉得，这不但值回票价，而且就像免费的一样便宜。</a:t>
-            </a:r>
-            <a:r>
-              <a:rPr lang="en-US" altLang="zh-CN" kern="0" dirty="0">
-                <a:solidFill>
-                  <a:srgbClr val="333333"/>
-                </a:solidFill>
-                <a:latin typeface="宋体" panose="02010600030101010101" pitchFamily="2" charset="-122"/>
-                <a:cs typeface="宋体" panose="02010600030101010101" pitchFamily="2" charset="-122"/>
-              </a:rPr>
-              <a:t/>
-            </a:r>
-            <a:br>
-              <a:rPr lang="en-US" altLang="zh-CN" kern="0" dirty="0">
-                <a:solidFill>
-                  <a:srgbClr val="333333"/>
-                </a:solidFill>
-                <a:latin typeface="宋体" panose="02010600030101010101" pitchFamily="2" charset="-122"/>
-                <a:cs typeface="宋体" panose="02010600030101010101" pitchFamily="2" charset="-122"/>
-              </a:rPr>
-            </a:br>
-            <a:r>
-              <a:rPr lang="en-US" altLang="zh-CN" kern="0" dirty="0">
-                <a:solidFill>
-                  <a:srgbClr val="333333"/>
-                </a:solidFill>
-                <a:latin typeface="宋体" panose="02010600030101010101" pitchFamily="2" charset="-122"/>
-                <a:cs typeface="宋体" panose="02010600030101010101" pitchFamily="2" charset="-122"/>
-              </a:rPr>
-              <a:t/>
-            </a:r>
-            <a:br>
-              <a:rPr lang="en-US" altLang="zh-CN" kern="0" dirty="0">
-                <a:solidFill>
-                  <a:srgbClr val="333333"/>
-                </a:solidFill>
-                <a:latin typeface="宋体" panose="02010600030101010101" pitchFamily="2" charset="-122"/>
-                <a:cs typeface="宋体" panose="02010600030101010101" pitchFamily="2" charset="-122"/>
-              </a:rPr>
-            </a:br>
-            <a:r>
-              <a:rPr lang="zh-CN" altLang="zh-CN" kern="0" dirty="0">
-                <a:solidFill>
-                  <a:srgbClr val="333333"/>
-                </a:solidFill>
-                <a:latin typeface="Calibri" panose="020F0502020204030204" pitchFamily="34" charset="0"/>
-                <a:cs typeface="宋体" panose="02010600030101010101" pitchFamily="2" charset="-122"/>
-              </a:rPr>
-              <a:t>　　爱因斯坦当然会高兴听到这个消息，因为这证明了他不像普通人类的脑袋瓜又对了，他想像出的东西，人们花了大把钞票辛苦了数十年，总算看到了。不过，其他物理学家呢</a:t>
-            </a:r>
-            <a:r>
-              <a:rPr lang="en-US" altLang="zh-CN" kern="0" dirty="0">
-                <a:solidFill>
-                  <a:srgbClr val="333333"/>
-                </a:solidFill>
-                <a:latin typeface="Calibri" panose="020F0502020204030204" pitchFamily="34" charset="0"/>
-                <a:cs typeface="宋体" panose="02010600030101010101" pitchFamily="2" charset="-122"/>
-              </a:rPr>
-              <a:t>?</a:t>
-            </a:r>
-            <a:r>
-              <a:rPr lang="en-US" altLang="zh-CN" kern="0" dirty="0">
-                <a:solidFill>
-                  <a:srgbClr val="333333"/>
-                </a:solidFill>
-                <a:latin typeface="宋体" panose="02010600030101010101" pitchFamily="2" charset="-122"/>
-                <a:cs typeface="宋体" panose="02010600030101010101" pitchFamily="2" charset="-122"/>
-              </a:rPr>
-              <a:t/>
-            </a:r>
-            <a:br>
-              <a:rPr lang="en-US" altLang="zh-CN" kern="0" dirty="0">
-                <a:solidFill>
-                  <a:srgbClr val="333333"/>
-                </a:solidFill>
-                <a:latin typeface="宋体" panose="02010600030101010101" pitchFamily="2" charset="-122"/>
-                <a:cs typeface="宋体" panose="02010600030101010101" pitchFamily="2" charset="-122"/>
-              </a:rPr>
-            </a:br>
-            <a:r>
-              <a:rPr lang="en-US" altLang="zh-CN" kern="0" dirty="0">
-                <a:solidFill>
-                  <a:srgbClr val="333333"/>
-                </a:solidFill>
-                <a:latin typeface="宋体" panose="02010600030101010101" pitchFamily="2" charset="-122"/>
-                <a:cs typeface="宋体" panose="02010600030101010101" pitchFamily="2" charset="-122"/>
-              </a:rPr>
-              <a:t/>
-            </a:r>
-            <a:br>
-              <a:rPr lang="en-US" altLang="zh-CN" kern="0" dirty="0">
-                <a:solidFill>
-                  <a:srgbClr val="333333"/>
-                </a:solidFill>
-                <a:latin typeface="宋体" panose="02010600030101010101" pitchFamily="2" charset="-122"/>
-                <a:cs typeface="宋体" panose="02010600030101010101" pitchFamily="2" charset="-122"/>
-              </a:rPr>
-            </a:br>
-            <a:r>
-              <a:rPr lang="zh-CN" altLang="zh-CN" kern="0" dirty="0">
-                <a:solidFill>
-                  <a:srgbClr val="333333"/>
-                </a:solidFill>
-                <a:latin typeface="Calibri" panose="020F0502020204030204" pitchFamily="34" charset="0"/>
-                <a:cs typeface="宋体" panose="02010600030101010101" pitchFamily="2" charset="-122"/>
-              </a:rPr>
-              <a:t>　　对物理学家来说，这轻轻的一震，比《美人鱼》、《星球大战》乃至人类史上所有的电影加起来都好看，因为它蕴含的剧情，是宇宙诞生的画面。</a:t>
-            </a:r>
-            <a:r>
-              <a:rPr lang="en-US" altLang="zh-CN" kern="0" dirty="0">
-                <a:solidFill>
-                  <a:srgbClr val="333333"/>
-                </a:solidFill>
-                <a:latin typeface="宋体" panose="02010600030101010101" pitchFamily="2" charset="-122"/>
-                <a:cs typeface="宋体" panose="02010600030101010101" pitchFamily="2" charset="-122"/>
-              </a:rPr>
-              <a:t/>
-            </a:r>
-            <a:br>
-              <a:rPr lang="en-US" altLang="zh-CN" kern="0" dirty="0">
-                <a:solidFill>
-                  <a:srgbClr val="333333"/>
-                </a:solidFill>
-                <a:latin typeface="宋体" panose="02010600030101010101" pitchFamily="2" charset="-122"/>
-                <a:cs typeface="宋体" panose="02010600030101010101" pitchFamily="2" charset="-122"/>
-              </a:rPr>
-            </a:br>
-            <a:r>
-              <a:rPr lang="en-US" altLang="zh-CN" kern="0" dirty="0">
-                <a:solidFill>
-                  <a:srgbClr val="333333"/>
-                </a:solidFill>
-                <a:latin typeface="宋体" panose="02010600030101010101" pitchFamily="2" charset="-122"/>
-                <a:cs typeface="宋体" panose="02010600030101010101" pitchFamily="2" charset="-122"/>
-              </a:rPr>
-              <a:t/>
-            </a:r>
-            <a:br>
-              <a:rPr lang="en-US" altLang="zh-CN" kern="0" dirty="0">
-                <a:solidFill>
-                  <a:srgbClr val="333333"/>
-                </a:solidFill>
-                <a:latin typeface="宋体" panose="02010600030101010101" pitchFamily="2" charset="-122"/>
-                <a:cs typeface="宋体" panose="02010600030101010101" pitchFamily="2" charset="-122"/>
-              </a:rPr>
-            </a:br>
-            <a:r>
-              <a:rPr lang="zh-CN" altLang="zh-CN" kern="0" dirty="0">
-                <a:solidFill>
-                  <a:srgbClr val="333333"/>
-                </a:solidFill>
-                <a:latin typeface="Calibri" panose="020F0502020204030204" pitchFamily="34" charset="0"/>
-                <a:cs typeface="宋体" panose="02010600030101010101" pitchFamily="2" charset="-122"/>
-              </a:rPr>
-              <a:t>　　我们从小都被告知一个最著名的猜想——宇宙是在一场爆炸中诞生的。这意味着，在时空的开始时，这个大蹦床有一次最剧烈的震动。引力波就能让我们还原这个震动——它是否存在，有多大规模，诸如此类。</a:t>
-            </a:r>
-            <a:r>
-              <a:rPr lang="en-US" altLang="zh-CN" kern="0" dirty="0">
-                <a:solidFill>
-                  <a:srgbClr val="333333"/>
-                </a:solidFill>
-                <a:latin typeface="宋体" panose="02010600030101010101" pitchFamily="2" charset="-122"/>
-                <a:cs typeface="宋体" panose="02010600030101010101" pitchFamily="2" charset="-122"/>
-              </a:rPr>
-              <a:t/>
-            </a:r>
-            <a:br>
-              <a:rPr lang="en-US" altLang="zh-CN" kern="0" dirty="0">
-                <a:solidFill>
-                  <a:srgbClr val="333333"/>
-                </a:solidFill>
-                <a:latin typeface="宋体" panose="02010600030101010101" pitchFamily="2" charset="-122"/>
-                <a:cs typeface="宋体" panose="02010600030101010101" pitchFamily="2" charset="-122"/>
-              </a:rPr>
-            </a:br>
-            <a:r>
-              <a:rPr lang="en-US" altLang="zh-CN" kern="0" dirty="0">
-                <a:solidFill>
-                  <a:srgbClr val="333333"/>
-                </a:solidFill>
-                <a:latin typeface="宋体" panose="02010600030101010101" pitchFamily="2" charset="-122"/>
-                <a:cs typeface="宋体" panose="02010600030101010101" pitchFamily="2" charset="-122"/>
-              </a:rPr>
-              <a:t/>
-            </a:r>
-            <a:br>
-              <a:rPr lang="en-US" altLang="zh-CN" kern="0" dirty="0">
-                <a:solidFill>
-                  <a:srgbClr val="333333"/>
-                </a:solidFill>
-                <a:latin typeface="宋体" panose="02010600030101010101" pitchFamily="2" charset="-122"/>
-                <a:cs typeface="宋体" panose="02010600030101010101" pitchFamily="2" charset="-122"/>
-              </a:rPr>
-            </a:br>
-            <a:r>
-              <a:rPr lang="zh-CN" altLang="zh-CN" kern="0" dirty="0">
-                <a:solidFill>
-                  <a:srgbClr val="333333"/>
-                </a:solidFill>
-                <a:latin typeface="Calibri" panose="020F0502020204030204" pitchFamily="34" charset="0"/>
-                <a:cs typeface="宋体" panose="02010600030101010101" pitchFamily="2" charset="-122"/>
-              </a:rPr>
-              <a:t>　　除此之外，引力波还能让我们知道，我们看不到的宇宙空间在发生什么。据科学家说，这次的引力波就是我们看不到的超级远的距离上，我们看不到的超级大的黑洞的变化引起的。如果你是《三体》迷，你就可以理解，如果在很远的星系一个文明被高阶文明炸掉了，我们能够第一时间通过引力波知道这个事情是多么重要</a:t>
-            </a:r>
-            <a:r>
-              <a:rPr lang="zh-CN" altLang="zh-CN" kern="0" dirty="0" smtClean="0">
-                <a:solidFill>
-                  <a:srgbClr val="333333"/>
-                </a:solidFill>
-                <a:latin typeface="Calibri" panose="020F0502020204030204" pitchFamily="34" charset="0"/>
-                <a:cs typeface="宋体" panose="02010600030101010101" pitchFamily="2" charset="-122"/>
-              </a:rPr>
-              <a:t>。</a:t>
-            </a:r>
-            <a:endParaRPr lang="en-US" altLang="zh-CN" kern="0" dirty="0" smtClean="0">
-              <a:solidFill>
-                <a:srgbClr val="333333"/>
-              </a:solidFill>
-              <a:latin typeface="Calibri" panose="020F0502020204030204" pitchFamily="34" charset="0"/>
-              <a:cs typeface="宋体" panose="02010600030101010101" pitchFamily="2" charset="-122"/>
-            </a:endParaRPr>
-          </a:p>
-          <a:p>
-            <a:pPr algn="just">
-              <a:spcAft>
-                <a:spcPts val="0"/>
-              </a:spcAft>
-            </a:pPr>
-            <a:endParaRPr lang="en-US" altLang="zh-CN" kern="0" dirty="0">
-              <a:solidFill>
-                <a:srgbClr val="333333"/>
-              </a:solidFill>
-              <a:latin typeface="Calibri" panose="020F0502020204030204" pitchFamily="34" charset="0"/>
-              <a:cs typeface="Times New Roman" panose="02020603050405020304" pitchFamily="18" charset="0"/>
-            </a:endParaRPr>
-          </a:p>
-          <a:p>
-            <a:pPr algn="just">
-              <a:spcAft>
-                <a:spcPts val="0"/>
-              </a:spcAft>
-            </a:pPr>
-            <a:r>
-              <a:rPr lang="zh-CN" altLang="en-US" dirty="0"/>
-              <a:t>请闭上眼睛，再次想象一下： </a:t>
-            </a:r>
-            <a:r>
-              <a:rPr lang="en-US" altLang="zh-CN" dirty="0"/>
-              <a:t>14</a:t>
-            </a:r>
-            <a:r>
-              <a:rPr lang="zh-CN" altLang="en-US" dirty="0"/>
-              <a:t>亿年前，在遥远的宇宙深处有两个黑洞发生相互合并，这一过程产生的时空涟漪穿越广袤宇宙，终于被地球上的我们探测到。这究竟是科幻还是现实？</a:t>
-            </a:r>
-            <a:endParaRPr lang="zh-CN" altLang="zh-CN" kern="100" dirty="0">
-              <a:latin typeface="Calibri" panose="020F0502020204030204" pitchFamily="34" charset="0"/>
-              <a:cs typeface="Times New Roman" panose="02020603050405020304" pitchFamily="18" charset="0"/>
-            </a:endParaRPr>
-          </a:p>
-        </p:txBody>
-      </p:sp>
-    </p:spTree>
-    <p:extLst>
-      <p:ext uri="{BB962C8B-B14F-4D97-AF65-F5344CB8AC3E}">
-        <p14:creationId xmlns:p14="http://schemas.microsoft.com/office/powerpoint/2010/main" val="824453928"/>
-      </p:ext>
-    </p:extLst>
-  </p:cSld>
-  <p:clrMapOvr>
-    <a:masterClrMapping/>
-  </p:clrMapOvr>
-</p:sld>
-</file>
-
-<file path=ppt/slides/slide16.xml><?xml version="1.0" encoding="utf-8"?>
-<p:sld xmlns:a="http://schemas.openxmlformats.org/drawingml/2006/main" xmlns:r="http://schemas.openxmlformats.org/officeDocument/2006/relationships" xmlns:p="http://schemas.openxmlformats.org/presentationml/2006/main">
-  <p:cSld>
-    <p:spTree>
-      <p:nvGrpSpPr>
-        <p:cNvPr id="1" name=""/>
-        <p:cNvGrpSpPr/>
-        <p:nvPr/>
-      </p:nvGrpSpPr>
-      <p:grpSpPr>
-        <a:xfrm>
-          <a:off x="0" y="0"/>
-          <a:ext cx="0" cy="0"/>
-          <a:chOff x="0" y="0"/>
-          <a:chExt cx="0" cy="0"/>
-        </a:xfrm>
-      </p:grpSpPr>
-      <p:sp>
-        <p:nvSpPr>
-          <p:cNvPr id="2" name="标题 1"/>
-          <p:cNvSpPr>
-            <a:spLocks noGrp="1"/>
-          </p:cNvSpPr>
-          <p:nvPr>
-            <p:ph type="ctrTitle"/>
-          </p:nvPr>
-        </p:nvSpPr>
-        <p:spPr/>
-        <p:txBody>
-          <a:bodyPr/>
-          <a:lstStyle/>
-          <a:p>
-            <a:r>
-              <a:rPr lang="zh-CN" altLang="en-US" dirty="0" smtClean="0"/>
-              <a:t>三体</a:t>
-            </a:r>
-            <a:endParaRPr lang="zh-CN" altLang="en-US" dirty="0"/>
-          </a:p>
-        </p:txBody>
-      </p:sp>
-      <p:sp>
-        <p:nvSpPr>
-          <p:cNvPr id="3" name="矩形 2"/>
-          <p:cNvSpPr/>
-          <p:nvPr/>
-        </p:nvSpPr>
-        <p:spPr>
-          <a:xfrm>
-            <a:off x="3145705" y="3708358"/>
-            <a:ext cx="5900590" cy="369332"/>
-          </a:xfrm>
-          <a:prstGeom prst="rect">
-            <a:avLst/>
-          </a:prstGeom>
-        </p:spPr>
-        <p:txBody>
-          <a:bodyPr wrap="none">
-            <a:spAutoFit/>
-          </a:bodyPr>
-          <a:lstStyle/>
-          <a:p>
-            <a:r>
-              <a:rPr lang="zh-CN" altLang="en-US" dirty="0" smtClean="0"/>
-              <a:t>http://news.163.com/16/0302/04/BH4IP4HG00014AED.html</a:t>
-            </a:r>
-            <a:endParaRPr lang="zh-CN" altLang="en-US" dirty="0"/>
-          </a:p>
-        </p:txBody>
-      </p:sp>
-    </p:spTree>
-    <p:extLst>
-      <p:ext uri="{BB962C8B-B14F-4D97-AF65-F5344CB8AC3E}">
-        <p14:creationId xmlns:p14="http://schemas.microsoft.com/office/powerpoint/2010/main" val="2650577767"/>
-      </p:ext>
-    </p:extLst>
-  </p:cSld>
-  <p:clrMapOvr>
-    <a:masterClrMapping/>
-  </p:clrMapOvr>
-</p:sld>
-</file>
-
-<file path=ppt/slides/slide17.xml><?xml version="1.0" encoding="utf-8"?>
-<p:sld xmlns:a="http://schemas.openxmlformats.org/drawingml/2006/main" xmlns:r="http://schemas.openxmlformats.org/officeDocument/2006/relationships" xmlns:p="http://schemas.openxmlformats.org/presentationml/2006/main">
-  <p:cSld>
-    <p:spTree>
-      <p:nvGrpSpPr>
-        <p:cNvPr id="1" name=""/>
-        <p:cNvGrpSpPr/>
-        <p:nvPr/>
-      </p:nvGrpSpPr>
-      <p:grpSpPr>
-        <a:xfrm>
-          <a:off x="0" y="0"/>
-          <a:ext cx="0" cy="0"/>
-          <a:chOff x="0" y="0"/>
-          <a:chExt cx="0" cy="0"/>
-        </a:xfrm>
-      </p:grpSpPr>
-      <p:sp>
-        <p:nvSpPr>
-          <p:cNvPr id="2" name="标题 1"/>
-          <p:cNvSpPr>
-            <a:spLocks noGrp="1"/>
-          </p:cNvSpPr>
-          <p:nvPr>
-            <p:ph type="ctrTitle"/>
-          </p:nvPr>
-        </p:nvSpPr>
-        <p:spPr/>
-        <p:txBody>
-          <a:bodyPr/>
-          <a:lstStyle/>
-          <a:p>
-            <a:r>
-              <a:rPr lang="zh-CN" altLang="en-US" dirty="0" smtClean="0"/>
-              <a:t>防引力波服装</a:t>
-            </a:r>
-            <a:endParaRPr lang="zh-CN" altLang="en-US" dirty="0"/>
-          </a:p>
-        </p:txBody>
-      </p:sp>
-    </p:spTree>
-    <p:extLst>
-      <p:ext uri="{BB962C8B-B14F-4D97-AF65-F5344CB8AC3E}">
-        <p14:creationId xmlns:p14="http://schemas.microsoft.com/office/powerpoint/2010/main" val="2651159489"/>
       </p:ext>
     </p:extLst>
   </p:cSld>
@@ -4391,308 +3056,25 @@
         </p:nvSpPr>
         <p:spPr>
           <a:xfrm>
-            <a:off x="1401170" y="545910"/>
+            <a:off x="1684505" y="2374710"/>
             <a:ext cx="9144000" cy="1067014"/>
           </a:xfrm>
         </p:spPr>
         <p:txBody>
-          <a:bodyPr/>
-          <a:lstStyle/>
-          <a:p>
-            <a:r>
-              <a:rPr lang="en-US" altLang="zh-CN" dirty="0" smtClean="0"/>
+          <a:bodyPr>
+            <a:noAutofit/>
+          </a:bodyPr>
+          <a:lstStyle/>
+          <a:p>
+            <a:r>
+              <a:rPr lang="en-US" altLang="zh-CN" sz="7200" dirty="0" smtClean="0"/>
               <a:t>2017</a:t>
             </a:r>
             <a:r>
-              <a:rPr lang="zh-CN" altLang="en-US" dirty="0" smtClean="0"/>
-              <a:t>诺贝尔物理学</a:t>
-            </a:r>
-            <a:endParaRPr lang="zh-CN" altLang="en-US" dirty="0"/>
-          </a:p>
-        </p:txBody>
-      </p:sp>
-      <p:sp>
-        <p:nvSpPr>
-          <p:cNvPr id="3" name="矩形 2"/>
-          <p:cNvSpPr/>
-          <p:nvPr/>
-        </p:nvSpPr>
-        <p:spPr>
-          <a:xfrm>
-            <a:off x="973539" y="2126735"/>
-            <a:ext cx="10285863" cy="1200329"/>
-          </a:xfrm>
-          <a:prstGeom prst="rect">
-            <a:avLst/>
-          </a:prstGeom>
-        </p:spPr>
-        <p:txBody>
-          <a:bodyPr wrap="square">
-            <a:spAutoFit/>
-          </a:bodyPr>
-          <a:lstStyle/>
-          <a:p>
-            <a:r>
-              <a:rPr lang="en-US" altLang="zh-CN" dirty="0">
-                <a:solidFill>
-                  <a:srgbClr val="000000"/>
-                </a:solidFill>
-                <a:latin typeface="Microsoft Yahei" panose="020B0503020204020204" pitchFamily="34" charset="-122"/>
-                <a:ea typeface="Microsoft Yahei" panose="020B0503020204020204" pitchFamily="34" charset="-122"/>
-              </a:rPr>
-              <a:t>10</a:t>
-            </a:r>
-            <a:r>
-              <a:rPr lang="zh-CN" altLang="en-US" dirty="0">
-                <a:solidFill>
-                  <a:srgbClr val="000000"/>
-                </a:solidFill>
-                <a:latin typeface="Microsoft Yahei" panose="020B0503020204020204" pitchFamily="34" charset="-122"/>
-                <a:ea typeface="Microsoft Yahei" panose="020B0503020204020204" pitchFamily="34" charset="-122"/>
-              </a:rPr>
-              <a:t>月</a:t>
-            </a:r>
-            <a:r>
-              <a:rPr lang="en-US" altLang="zh-CN" dirty="0">
-                <a:solidFill>
-                  <a:srgbClr val="000000"/>
-                </a:solidFill>
-                <a:latin typeface="Microsoft Yahei" panose="020B0503020204020204" pitchFamily="34" charset="-122"/>
-                <a:ea typeface="Microsoft Yahei" panose="020B0503020204020204" pitchFamily="34" charset="-122"/>
-              </a:rPr>
-              <a:t>3</a:t>
-            </a:r>
-            <a:r>
-              <a:rPr lang="zh-CN" altLang="en-US" dirty="0">
-                <a:solidFill>
-                  <a:srgbClr val="000000"/>
-                </a:solidFill>
-                <a:latin typeface="Microsoft Yahei" panose="020B0503020204020204" pitchFamily="34" charset="-122"/>
-                <a:ea typeface="Microsoft Yahei" panose="020B0503020204020204" pitchFamily="34" charset="-122"/>
-              </a:rPr>
-              <a:t>日消息，据国外媒体报道，刚刚，瑞典皇家科学院宣布将</a:t>
-            </a:r>
-            <a:r>
-              <a:rPr lang="en-US" altLang="zh-CN" dirty="0">
-                <a:solidFill>
-                  <a:srgbClr val="000000"/>
-                </a:solidFill>
-                <a:latin typeface="Microsoft Yahei" panose="020B0503020204020204" pitchFamily="34" charset="-122"/>
-                <a:ea typeface="Microsoft Yahei" panose="020B0503020204020204" pitchFamily="34" charset="-122"/>
-              </a:rPr>
-              <a:t>2017</a:t>
-            </a:r>
-            <a:r>
-              <a:rPr lang="zh-CN" altLang="en-US" dirty="0">
-                <a:solidFill>
-                  <a:srgbClr val="000000"/>
-                </a:solidFill>
-                <a:latin typeface="Microsoft Yahei" panose="020B0503020204020204" pitchFamily="34" charset="-122"/>
-                <a:ea typeface="Microsoft Yahei" panose="020B0503020204020204" pitchFamily="34" charset="-122"/>
-              </a:rPr>
-              <a:t>年诺贝尔物理学奖授予三位引力波探测计划的重要科学家，三人均来自</a:t>
-            </a:r>
-            <a:r>
-              <a:rPr lang="en-US" altLang="zh-CN" dirty="0">
-                <a:solidFill>
-                  <a:srgbClr val="000000"/>
-                </a:solidFill>
-                <a:latin typeface="Microsoft Yahei" panose="020B0503020204020204" pitchFamily="34" charset="-122"/>
-                <a:ea typeface="Microsoft Yahei" panose="020B0503020204020204" pitchFamily="34" charset="-122"/>
-              </a:rPr>
-              <a:t>LIGO/VIRGO</a:t>
-            </a:r>
-            <a:r>
-              <a:rPr lang="zh-CN" altLang="en-US" dirty="0">
-                <a:solidFill>
-                  <a:srgbClr val="000000"/>
-                </a:solidFill>
-                <a:latin typeface="Microsoft Yahei" panose="020B0503020204020204" pitchFamily="34" charset="-122"/>
-                <a:ea typeface="Microsoft Yahei" panose="020B0503020204020204" pitchFamily="34" charset="-122"/>
-              </a:rPr>
-              <a:t>合作组，以奖励他们在“</a:t>
-            </a:r>
-            <a:r>
-              <a:rPr lang="en-US" altLang="zh-CN" dirty="0">
-                <a:solidFill>
-                  <a:srgbClr val="000000"/>
-                </a:solidFill>
-                <a:latin typeface="Microsoft Yahei" panose="020B0503020204020204" pitchFamily="34" charset="-122"/>
-                <a:ea typeface="Microsoft Yahei" panose="020B0503020204020204" pitchFamily="34" charset="-122"/>
-              </a:rPr>
-              <a:t>LIGO</a:t>
-            </a:r>
-            <a:r>
-              <a:rPr lang="zh-CN" altLang="en-US" dirty="0">
-                <a:solidFill>
-                  <a:srgbClr val="000000"/>
-                </a:solidFill>
-                <a:latin typeface="Microsoft Yahei" panose="020B0503020204020204" pitchFamily="34" charset="-122"/>
-                <a:ea typeface="Microsoft Yahei" panose="020B0503020204020204" pitchFamily="34" charset="-122"/>
-              </a:rPr>
-              <a:t>探测器以及引力波探测方面的决定性贡献”。奖金的一半授予莱纳</a:t>
-            </a:r>
-            <a:r>
-              <a:rPr lang="en-US" altLang="zh-CN" dirty="0">
-                <a:solidFill>
-                  <a:srgbClr val="000000"/>
-                </a:solidFill>
-                <a:latin typeface="Microsoft Yahei" panose="020B0503020204020204" pitchFamily="34" charset="-122"/>
-                <a:ea typeface="Microsoft Yahei" panose="020B0503020204020204" pitchFamily="34" charset="-122"/>
-              </a:rPr>
-              <a:t>·</a:t>
-            </a:r>
-            <a:r>
-              <a:rPr lang="zh-CN" altLang="en-US" dirty="0">
-                <a:solidFill>
-                  <a:srgbClr val="000000"/>
-                </a:solidFill>
-                <a:latin typeface="Microsoft Yahei" panose="020B0503020204020204" pitchFamily="34" charset="-122"/>
-                <a:ea typeface="Microsoft Yahei" panose="020B0503020204020204" pitchFamily="34" charset="-122"/>
-              </a:rPr>
-              <a:t>魏斯（</a:t>
-            </a:r>
-            <a:r>
-              <a:rPr lang="en-US" altLang="zh-CN" dirty="0">
-                <a:solidFill>
-                  <a:srgbClr val="000000"/>
-                </a:solidFill>
-                <a:latin typeface="Microsoft Yahei" panose="020B0503020204020204" pitchFamily="34" charset="-122"/>
-                <a:ea typeface="Microsoft Yahei" panose="020B0503020204020204" pitchFamily="34" charset="-122"/>
-              </a:rPr>
-              <a:t>Rainer Weiss</a:t>
-            </a:r>
-            <a:r>
-              <a:rPr lang="zh-CN" altLang="en-US" dirty="0">
-                <a:solidFill>
-                  <a:srgbClr val="000000"/>
-                </a:solidFill>
-                <a:latin typeface="Microsoft Yahei" panose="020B0503020204020204" pitchFamily="34" charset="-122"/>
-                <a:ea typeface="Microsoft Yahei" panose="020B0503020204020204" pitchFamily="34" charset="-122"/>
-              </a:rPr>
-              <a:t>），另外一半由巴里</a:t>
-            </a:r>
-            <a:r>
-              <a:rPr lang="en-US" altLang="zh-CN" dirty="0">
-                <a:solidFill>
-                  <a:srgbClr val="000000"/>
-                </a:solidFill>
-                <a:latin typeface="Microsoft Yahei" panose="020B0503020204020204" pitchFamily="34" charset="-122"/>
-                <a:ea typeface="Microsoft Yahei" panose="020B0503020204020204" pitchFamily="34" charset="-122"/>
-              </a:rPr>
-              <a:t>·</a:t>
-            </a:r>
-            <a:r>
-              <a:rPr lang="zh-CN" altLang="en-US" dirty="0">
-                <a:solidFill>
-                  <a:srgbClr val="000000"/>
-                </a:solidFill>
-                <a:latin typeface="Microsoft Yahei" panose="020B0503020204020204" pitchFamily="34" charset="-122"/>
-                <a:ea typeface="Microsoft Yahei" panose="020B0503020204020204" pitchFamily="34" charset="-122"/>
-              </a:rPr>
-              <a:t>巴里什（</a:t>
-            </a:r>
-            <a:r>
-              <a:rPr lang="en-US" altLang="zh-CN" dirty="0">
-                <a:solidFill>
-                  <a:srgbClr val="000000"/>
-                </a:solidFill>
-                <a:latin typeface="Microsoft Yahei" panose="020B0503020204020204" pitchFamily="34" charset="-122"/>
-                <a:ea typeface="Microsoft Yahei" panose="020B0503020204020204" pitchFamily="34" charset="-122"/>
-              </a:rPr>
-              <a:t>Barry C</a:t>
-            </a:r>
-            <a:r>
-              <a:rPr lang="zh-CN" altLang="en-US" dirty="0">
-                <a:solidFill>
-                  <a:srgbClr val="000000"/>
-                </a:solidFill>
-                <a:latin typeface="Microsoft Yahei" panose="020B0503020204020204" pitchFamily="34" charset="-122"/>
-                <a:ea typeface="Microsoft Yahei" panose="020B0503020204020204" pitchFamily="34" charset="-122"/>
-              </a:rPr>
-              <a:t>。 </a:t>
-            </a:r>
-            <a:r>
-              <a:rPr lang="en-US" altLang="zh-CN" dirty="0" err="1">
-                <a:solidFill>
-                  <a:srgbClr val="000000"/>
-                </a:solidFill>
-                <a:latin typeface="Microsoft Yahei" panose="020B0503020204020204" pitchFamily="34" charset="-122"/>
-                <a:ea typeface="Microsoft Yahei" panose="020B0503020204020204" pitchFamily="34" charset="-122"/>
-              </a:rPr>
-              <a:t>Barish</a:t>
-            </a:r>
-            <a:r>
-              <a:rPr lang="zh-CN" altLang="en-US" dirty="0">
-                <a:solidFill>
-                  <a:srgbClr val="000000"/>
-                </a:solidFill>
-                <a:latin typeface="Microsoft Yahei" panose="020B0503020204020204" pitchFamily="34" charset="-122"/>
-                <a:ea typeface="Microsoft Yahei" panose="020B0503020204020204" pitchFamily="34" charset="-122"/>
-              </a:rPr>
-              <a:t>）和基普</a:t>
-            </a:r>
-            <a:r>
-              <a:rPr lang="en-US" altLang="zh-CN" dirty="0">
-                <a:solidFill>
-                  <a:srgbClr val="000000"/>
-                </a:solidFill>
-                <a:latin typeface="Microsoft Yahei" panose="020B0503020204020204" pitchFamily="34" charset="-122"/>
-                <a:ea typeface="Microsoft Yahei" panose="020B0503020204020204" pitchFamily="34" charset="-122"/>
-              </a:rPr>
-              <a:t>·</a:t>
-            </a:r>
-            <a:r>
-              <a:rPr lang="zh-CN" altLang="en-US" dirty="0">
-                <a:solidFill>
-                  <a:srgbClr val="000000"/>
-                </a:solidFill>
-                <a:latin typeface="Microsoft Yahei" panose="020B0503020204020204" pitchFamily="34" charset="-122"/>
-                <a:ea typeface="Microsoft Yahei" panose="020B0503020204020204" pitchFamily="34" charset="-122"/>
-              </a:rPr>
-              <a:t>索恩（</a:t>
-            </a:r>
-            <a:r>
-              <a:rPr lang="en-US" altLang="zh-CN" dirty="0">
-                <a:solidFill>
-                  <a:srgbClr val="000000"/>
-                </a:solidFill>
-                <a:latin typeface="Microsoft Yahei" panose="020B0503020204020204" pitchFamily="34" charset="-122"/>
-                <a:ea typeface="Microsoft Yahei" panose="020B0503020204020204" pitchFamily="34" charset="-122"/>
-              </a:rPr>
-              <a:t>Kip S</a:t>
-            </a:r>
-            <a:r>
-              <a:rPr lang="zh-CN" altLang="en-US" dirty="0">
-                <a:solidFill>
-                  <a:srgbClr val="000000"/>
-                </a:solidFill>
-                <a:latin typeface="Microsoft Yahei" panose="020B0503020204020204" pitchFamily="34" charset="-122"/>
-                <a:ea typeface="Microsoft Yahei" panose="020B0503020204020204" pitchFamily="34" charset="-122"/>
-              </a:rPr>
-              <a:t>。 </a:t>
-            </a:r>
-            <a:r>
-              <a:rPr lang="en-US" altLang="zh-CN" dirty="0">
-                <a:solidFill>
-                  <a:srgbClr val="000000"/>
-                </a:solidFill>
-                <a:latin typeface="Microsoft Yahei" panose="020B0503020204020204" pitchFamily="34" charset="-122"/>
-                <a:ea typeface="Microsoft Yahei" panose="020B0503020204020204" pitchFamily="34" charset="-122"/>
-              </a:rPr>
-              <a:t>Thorne</a:t>
-            </a:r>
-            <a:r>
-              <a:rPr lang="zh-CN" altLang="en-US" dirty="0">
-                <a:solidFill>
-                  <a:srgbClr val="000000"/>
-                </a:solidFill>
-                <a:latin typeface="Microsoft Yahei" panose="020B0503020204020204" pitchFamily="34" charset="-122"/>
-                <a:ea typeface="Microsoft Yahei" panose="020B0503020204020204" pitchFamily="34" charset="-122"/>
-              </a:rPr>
-              <a:t>）两人分享。</a:t>
-            </a:r>
-            <a:endParaRPr lang="zh-CN" altLang="en-US" dirty="0"/>
+              <a:rPr lang="zh-CN" altLang="en-US" sz="7200" dirty="0" smtClean="0"/>
+              <a:t>诺贝尔物理学奖</a:t>
+            </a:r>
+            <a:endParaRPr lang="zh-CN" altLang="en-US" sz="7200" dirty="0"/>
           </a:p>
         </p:txBody>
       </p:sp>
@@ -4728,582 +3110,32 @@
       </p:grpSpPr>
       <p:sp>
         <p:nvSpPr>
-          <p:cNvPr id="4" name="矩形 3"/>
-          <p:cNvSpPr/>
-          <p:nvPr/>
-        </p:nvSpPr>
-        <p:spPr>
-          <a:xfrm>
-            <a:off x="605051" y="5331937"/>
-            <a:ext cx="10995547" cy="1200329"/>
-          </a:xfrm>
-          <a:prstGeom prst="rect">
-            <a:avLst/>
-          </a:prstGeom>
-        </p:spPr>
-        <p:txBody>
-          <a:bodyPr wrap="square">
-            <a:spAutoFit/>
+          <p:cNvPr id="2" name="标题 1"/>
+          <p:cNvSpPr>
+            <a:spLocks noGrp="1"/>
+          </p:cNvSpPr>
+          <p:nvPr>
+            <p:ph type="ctrTitle"/>
+          </p:nvPr>
+        </p:nvSpPr>
+        <p:spPr/>
+        <p:txBody>
+          <a:bodyPr>
+            <a:normAutofit/>
           </a:bodyPr>
           <a:lstStyle/>
           <a:p>
             <a:r>
-              <a:rPr lang="zh-CN" altLang="en-US" dirty="0" smtClean="0">
-                <a:solidFill>
-                  <a:srgbClr val="FF0000"/>
-                </a:solidFill>
-                <a:latin typeface="PingFang SC"/>
-              </a:rPr>
-              <a:t>第六次，</a:t>
-            </a:r>
-            <a:r>
-              <a:rPr lang="en-US" altLang="zh-CN" dirty="0" smtClean="0">
-                <a:solidFill>
-                  <a:srgbClr val="191919"/>
-                </a:solidFill>
-                <a:latin typeface="PingFang SC"/>
-              </a:rPr>
-              <a:t>2017</a:t>
-            </a:r>
-            <a:r>
-              <a:rPr lang="zh-CN" altLang="en-US" dirty="0">
-                <a:solidFill>
-                  <a:srgbClr val="191919"/>
-                </a:solidFill>
-                <a:latin typeface="PingFang SC"/>
-              </a:rPr>
-              <a:t>年</a:t>
-            </a:r>
-            <a:r>
-              <a:rPr lang="en-US" altLang="zh-CN" dirty="0">
-                <a:solidFill>
-                  <a:srgbClr val="191919"/>
-                </a:solidFill>
-                <a:latin typeface="PingFang SC"/>
-              </a:rPr>
-              <a:t>11</a:t>
-            </a:r>
-            <a:r>
-              <a:rPr lang="zh-CN" altLang="en-US" dirty="0">
-                <a:solidFill>
-                  <a:srgbClr val="191919"/>
-                </a:solidFill>
-                <a:latin typeface="PingFang SC"/>
-              </a:rPr>
-              <a:t>月</a:t>
-            </a:r>
-            <a:r>
-              <a:rPr lang="en-US" altLang="zh-CN" dirty="0">
-                <a:solidFill>
-                  <a:srgbClr val="191919"/>
-                </a:solidFill>
-                <a:latin typeface="PingFang SC"/>
-              </a:rPr>
-              <a:t>15</a:t>
-            </a:r>
-            <a:r>
-              <a:rPr lang="zh-CN" altLang="en-US" dirty="0">
-                <a:solidFill>
-                  <a:srgbClr val="191919"/>
-                </a:solidFill>
-                <a:latin typeface="PingFang SC"/>
-              </a:rPr>
-              <a:t>日，寻找引力波的科学家们再一次确认了一起，由双黑洞并合产生的引力波事件，这次并合的两个黑洞质量相对较轻。</a:t>
-            </a:r>
-          </a:p>
-          <a:p>
-            <a:r>
-              <a:rPr lang="zh-CN" altLang="en-US" dirty="0">
-                <a:solidFill>
-                  <a:srgbClr val="191919"/>
-                </a:solidFill>
-                <a:latin typeface="PingFang SC"/>
-              </a:rPr>
-              <a:t>在距离我们约</a:t>
-            </a:r>
-            <a:r>
-              <a:rPr lang="en-US" altLang="zh-CN" dirty="0">
-                <a:solidFill>
-                  <a:srgbClr val="FF0000"/>
-                </a:solidFill>
-                <a:latin typeface="PingFang SC"/>
-              </a:rPr>
-              <a:t>10</a:t>
-            </a:r>
-            <a:r>
-              <a:rPr lang="zh-CN" altLang="en-US" dirty="0">
-                <a:solidFill>
-                  <a:srgbClr val="FF0000"/>
-                </a:solidFill>
-                <a:latin typeface="PingFang SC"/>
-              </a:rPr>
-              <a:t>亿光年</a:t>
-            </a:r>
-            <a:r>
-              <a:rPr lang="zh-CN" altLang="en-US" dirty="0">
-                <a:solidFill>
-                  <a:srgbClr val="191919"/>
-                </a:solidFill>
-                <a:latin typeface="PingFang SC"/>
-              </a:rPr>
-              <a:t>的地方，两个</a:t>
-            </a:r>
-            <a:r>
-              <a:rPr lang="en-US" altLang="zh-CN" dirty="0">
-                <a:solidFill>
-                  <a:srgbClr val="FF0000"/>
-                </a:solidFill>
-                <a:latin typeface="PingFang SC"/>
-              </a:rPr>
-              <a:t>7</a:t>
-            </a:r>
-            <a:r>
-              <a:rPr lang="zh-CN" altLang="en-US" dirty="0">
-                <a:solidFill>
-                  <a:srgbClr val="FF0000"/>
-                </a:solidFill>
-                <a:latin typeface="PingFang SC"/>
-              </a:rPr>
-              <a:t>倍和</a:t>
-            </a:r>
-            <a:r>
-              <a:rPr lang="en-US" altLang="zh-CN" dirty="0">
-                <a:solidFill>
-                  <a:srgbClr val="FF0000"/>
-                </a:solidFill>
-                <a:latin typeface="PingFang SC"/>
-              </a:rPr>
-              <a:t>12</a:t>
-            </a:r>
-            <a:r>
-              <a:rPr lang="zh-CN" altLang="en-US" dirty="0">
-                <a:solidFill>
-                  <a:srgbClr val="FF0000"/>
-                </a:solidFill>
-                <a:latin typeface="PingFang SC"/>
-              </a:rPr>
-              <a:t>倍</a:t>
-            </a:r>
-            <a:r>
-              <a:rPr lang="zh-CN" altLang="en-US" dirty="0">
-                <a:solidFill>
-                  <a:srgbClr val="191919"/>
-                </a:solidFill>
-                <a:latin typeface="PingFang SC"/>
-              </a:rPr>
-              <a:t>太阳质量的黑洞并合，产生了一个</a:t>
-            </a:r>
-            <a:r>
-              <a:rPr lang="en-US" altLang="zh-CN" dirty="0">
-                <a:solidFill>
-                  <a:srgbClr val="191919"/>
-                </a:solidFill>
-                <a:latin typeface="PingFang SC"/>
-              </a:rPr>
-              <a:t>18</a:t>
-            </a:r>
-            <a:r>
-              <a:rPr lang="zh-CN" altLang="en-US" dirty="0">
-                <a:solidFill>
-                  <a:srgbClr val="191919"/>
-                </a:solidFill>
-                <a:latin typeface="PingFang SC"/>
-              </a:rPr>
-              <a:t>倍太阳质量的黑洞，大约</a:t>
-            </a:r>
-            <a:r>
-              <a:rPr lang="zh-CN" altLang="en-US" dirty="0">
-                <a:solidFill>
-                  <a:srgbClr val="FF0000"/>
-                </a:solidFill>
-                <a:latin typeface="PingFang SC"/>
-              </a:rPr>
-              <a:t>一倍</a:t>
-            </a:r>
-            <a:r>
-              <a:rPr lang="zh-CN" altLang="en-US" dirty="0">
-                <a:solidFill>
-                  <a:srgbClr val="191919"/>
-                </a:solidFill>
-                <a:latin typeface="PingFang SC"/>
-              </a:rPr>
-              <a:t>太阳质量的能量转化成</a:t>
-            </a:r>
-            <a:r>
-              <a:rPr lang="zh-CN" altLang="en-US" dirty="0" smtClean="0">
-                <a:solidFill>
-                  <a:srgbClr val="191919"/>
-                </a:solidFill>
-                <a:latin typeface="PingFang SC"/>
-              </a:rPr>
-              <a:t>引力波。</a:t>
-            </a:r>
-            <a:endParaRPr lang="zh-CN" altLang="en-US" b="0" i="0" dirty="0">
-              <a:solidFill>
-                <a:srgbClr val="191919"/>
-              </a:solidFill>
-              <a:effectLst/>
-              <a:latin typeface="PingFang SC"/>
-            </a:endParaRPr>
-          </a:p>
-        </p:txBody>
-      </p:sp>
-      <p:sp>
-        <p:nvSpPr>
-          <p:cNvPr id="5" name="矩形 4"/>
-          <p:cNvSpPr/>
-          <p:nvPr/>
-        </p:nvSpPr>
-        <p:spPr>
-          <a:xfrm>
-            <a:off x="605051" y="1726190"/>
-            <a:ext cx="10900012" cy="1200329"/>
-          </a:xfrm>
-          <a:prstGeom prst="rect">
-            <a:avLst/>
-          </a:prstGeom>
-        </p:spPr>
-        <p:txBody>
-          <a:bodyPr wrap="square">
-            <a:spAutoFit/>
-          </a:bodyPr>
-          <a:lstStyle/>
-          <a:p>
-            <a:r>
-              <a:rPr lang="en-US" altLang="zh-CN" dirty="0">
-                <a:solidFill>
-                  <a:srgbClr val="FF0000"/>
-                </a:solidFill>
-                <a:latin typeface="Microsoft Yahei" panose="020B0503020204020204" pitchFamily="34" charset="-122"/>
-                <a:ea typeface="Microsoft Yahei" panose="020B0503020204020204" pitchFamily="34" charset="-122"/>
-              </a:rPr>
-              <a:t>2015</a:t>
-            </a:r>
-            <a:r>
-              <a:rPr lang="zh-CN" altLang="en-US" dirty="0">
-                <a:solidFill>
-                  <a:srgbClr val="FF0000"/>
-                </a:solidFill>
-                <a:latin typeface="Microsoft Yahei" panose="020B0503020204020204" pitchFamily="34" charset="-122"/>
-                <a:ea typeface="Microsoft Yahei" panose="020B0503020204020204" pitchFamily="34" charset="-122"/>
-              </a:rPr>
-              <a:t>年</a:t>
-            </a:r>
-            <a:r>
-              <a:rPr lang="en-US" altLang="zh-CN" dirty="0">
-                <a:solidFill>
-                  <a:srgbClr val="FF0000"/>
-                </a:solidFill>
-                <a:latin typeface="Microsoft Yahei" panose="020B0503020204020204" pitchFamily="34" charset="-122"/>
-                <a:ea typeface="Microsoft Yahei" panose="020B0503020204020204" pitchFamily="34" charset="-122"/>
-              </a:rPr>
-              <a:t>9</a:t>
-            </a:r>
-            <a:r>
-              <a:rPr lang="zh-CN" altLang="en-US" dirty="0">
-                <a:solidFill>
-                  <a:srgbClr val="FF0000"/>
-                </a:solidFill>
-                <a:latin typeface="Microsoft Yahei" panose="020B0503020204020204" pitchFamily="34" charset="-122"/>
-                <a:ea typeface="Microsoft Yahei" panose="020B0503020204020204" pitchFamily="34" charset="-122"/>
-              </a:rPr>
-              <a:t>月</a:t>
-            </a:r>
-            <a:r>
-              <a:rPr lang="en-US" altLang="zh-CN" dirty="0">
-                <a:solidFill>
-                  <a:srgbClr val="FF0000"/>
-                </a:solidFill>
-                <a:latin typeface="Microsoft Yahei" panose="020B0503020204020204" pitchFamily="34" charset="-122"/>
-                <a:ea typeface="Microsoft Yahei" panose="020B0503020204020204" pitchFamily="34" charset="-122"/>
-              </a:rPr>
-              <a:t>14</a:t>
-            </a:r>
-            <a:r>
-              <a:rPr lang="zh-CN" altLang="en-US" dirty="0" smtClean="0">
-                <a:solidFill>
-                  <a:srgbClr val="FF0000"/>
-                </a:solidFill>
-                <a:latin typeface="Microsoft Yahei" panose="020B0503020204020204" pitchFamily="34" charset="-122"/>
-                <a:ea typeface="Microsoft Yahei" panose="020B0503020204020204" pitchFamily="34" charset="-122"/>
-              </a:rPr>
-              <a:t>日</a:t>
-            </a:r>
-            <a:r>
-              <a:rPr lang="zh-CN" altLang="en-US" dirty="0" smtClean="0">
-                <a:solidFill>
-                  <a:srgbClr val="000000"/>
-                </a:solidFill>
-                <a:latin typeface="Microsoft Yahei" panose="020B0503020204020204" pitchFamily="34" charset="-122"/>
-                <a:ea typeface="Microsoft Yahei" panose="020B0503020204020204" pitchFamily="34" charset="-122"/>
-              </a:rPr>
-              <a:t>由</a:t>
-            </a:r>
-            <a:r>
-              <a:rPr lang="zh-CN" altLang="en-US" dirty="0">
-                <a:solidFill>
-                  <a:srgbClr val="000000"/>
-                </a:solidFill>
-                <a:latin typeface="Microsoft Yahei" panose="020B0503020204020204" pitchFamily="34" charset="-122"/>
-                <a:ea typeface="Microsoft Yahei" panose="020B0503020204020204" pitchFamily="34" charset="-122"/>
-              </a:rPr>
-              <a:t>两座分别设置在</a:t>
-            </a:r>
-            <a:r>
-              <a:rPr lang="zh-CN" altLang="en-US" dirty="0">
-                <a:solidFill>
-                  <a:srgbClr val="FF0000"/>
-                </a:solidFill>
-                <a:latin typeface="Microsoft Yahei" panose="020B0503020204020204" pitchFamily="34" charset="-122"/>
-                <a:ea typeface="Microsoft Yahei" panose="020B0503020204020204" pitchFamily="34" charset="-122"/>
-              </a:rPr>
-              <a:t>华盛顿州和路易斯安那州</a:t>
-            </a:r>
-            <a:r>
-              <a:rPr lang="zh-CN" altLang="en-US" dirty="0">
-                <a:solidFill>
-                  <a:srgbClr val="000000"/>
-                </a:solidFill>
-                <a:latin typeface="Microsoft Yahei" panose="020B0503020204020204" pitchFamily="34" charset="-122"/>
-                <a:ea typeface="Microsoft Yahei" panose="020B0503020204020204" pitchFamily="34" charset="-122"/>
-              </a:rPr>
-              <a:t>的</a:t>
-            </a:r>
-            <a:r>
-              <a:rPr lang="en-US" altLang="zh-CN" dirty="0">
-                <a:solidFill>
-                  <a:srgbClr val="000000"/>
-                </a:solidFill>
-                <a:latin typeface="Microsoft Yahei" panose="020B0503020204020204" pitchFamily="34" charset="-122"/>
-                <a:ea typeface="Microsoft Yahei" panose="020B0503020204020204" pitchFamily="34" charset="-122"/>
-              </a:rPr>
-              <a:t>LIGO</a:t>
-            </a:r>
-            <a:r>
-              <a:rPr lang="zh-CN" altLang="en-US" dirty="0">
-                <a:solidFill>
-                  <a:srgbClr val="000000"/>
-                </a:solidFill>
-                <a:latin typeface="Microsoft Yahei" panose="020B0503020204020204" pitchFamily="34" charset="-122"/>
-                <a:ea typeface="Microsoft Yahei" panose="020B0503020204020204" pitchFamily="34" charset="-122"/>
-              </a:rPr>
-              <a:t>观测台探测到。这也是人类</a:t>
-            </a:r>
-            <a:r>
-              <a:rPr lang="zh-CN" altLang="en-US" dirty="0">
-                <a:solidFill>
-                  <a:srgbClr val="FF0000"/>
-                </a:solidFill>
-                <a:latin typeface="Microsoft Yahei" panose="020B0503020204020204" pitchFamily="34" charset="-122"/>
-                <a:ea typeface="Microsoft Yahei" panose="020B0503020204020204" pitchFamily="34" charset="-122"/>
-              </a:rPr>
-              <a:t>首次</a:t>
-            </a:r>
-            <a:r>
-              <a:rPr lang="zh-CN" altLang="en-US" dirty="0">
-                <a:solidFill>
-                  <a:srgbClr val="000000"/>
-                </a:solidFill>
-                <a:latin typeface="Microsoft Yahei" panose="020B0503020204020204" pitchFamily="34" charset="-122"/>
-                <a:ea typeface="Microsoft Yahei" panose="020B0503020204020204" pitchFamily="34" charset="-122"/>
-              </a:rPr>
-              <a:t>直接观测到一个“双黑洞”系统</a:t>
-            </a:r>
-            <a:r>
-              <a:rPr lang="zh-CN" altLang="en-US" dirty="0" smtClean="0">
-                <a:solidFill>
-                  <a:srgbClr val="000000"/>
-                </a:solidFill>
-                <a:latin typeface="Microsoft Yahei" panose="020B0503020204020204" pitchFamily="34" charset="-122"/>
-                <a:ea typeface="Microsoft Yahei" panose="020B0503020204020204" pitchFamily="34" charset="-122"/>
-              </a:rPr>
-              <a:t>。此次</a:t>
-            </a:r>
-            <a:r>
-              <a:rPr lang="en-US" altLang="zh-CN" dirty="0">
-                <a:solidFill>
-                  <a:srgbClr val="000000"/>
-                </a:solidFill>
-                <a:latin typeface="Microsoft Yahei" panose="020B0503020204020204" pitchFamily="34" charset="-122"/>
-                <a:ea typeface="Microsoft Yahei" panose="020B0503020204020204" pitchFamily="34" charset="-122"/>
-              </a:rPr>
-              <a:t>LIGO</a:t>
-            </a:r>
-            <a:r>
-              <a:rPr lang="zh-CN" altLang="en-US" dirty="0">
-                <a:solidFill>
-                  <a:srgbClr val="000000"/>
-                </a:solidFill>
-                <a:latin typeface="Microsoft Yahei" panose="020B0503020204020204" pitchFamily="34" charset="-122"/>
-                <a:ea typeface="Microsoft Yahei" panose="020B0503020204020204" pitchFamily="34" charset="-122"/>
-              </a:rPr>
-              <a:t>探测到的引力波信号来自</a:t>
-            </a:r>
-            <a:r>
-              <a:rPr lang="zh-CN" altLang="en-US" dirty="0">
-                <a:solidFill>
-                  <a:srgbClr val="FF0000"/>
-                </a:solidFill>
-                <a:latin typeface="Microsoft Yahei" panose="020B0503020204020204" pitchFamily="34" charset="-122"/>
-                <a:ea typeface="Microsoft Yahei" panose="020B0503020204020204" pitchFamily="34" charset="-122"/>
-              </a:rPr>
-              <a:t>两个黑洞的合并</a:t>
-            </a:r>
-            <a:r>
-              <a:rPr lang="zh-CN" altLang="en-US" dirty="0">
-                <a:solidFill>
-                  <a:srgbClr val="000000"/>
-                </a:solidFill>
-                <a:latin typeface="Microsoft Yahei" panose="020B0503020204020204" pitchFamily="34" charset="-122"/>
-                <a:ea typeface="Microsoft Yahei" panose="020B0503020204020204" pitchFamily="34" charset="-122"/>
-              </a:rPr>
-              <a:t>，这两个黑洞质量分别为</a:t>
-            </a:r>
-            <a:r>
-              <a:rPr lang="en-US" altLang="zh-CN" dirty="0">
-                <a:solidFill>
-                  <a:srgbClr val="FF0000"/>
-                </a:solidFill>
-                <a:latin typeface="Microsoft Yahei" panose="020B0503020204020204" pitchFamily="34" charset="-122"/>
-                <a:ea typeface="Microsoft Yahei" panose="020B0503020204020204" pitchFamily="34" charset="-122"/>
-              </a:rPr>
-              <a:t>29</a:t>
-            </a:r>
-            <a:r>
-              <a:rPr lang="zh-CN" altLang="en-US" dirty="0">
-                <a:solidFill>
-                  <a:srgbClr val="000000"/>
-                </a:solidFill>
-                <a:latin typeface="Microsoft Yahei" panose="020B0503020204020204" pitchFamily="34" charset="-122"/>
-                <a:ea typeface="Microsoft Yahei" panose="020B0503020204020204" pitchFamily="34" charset="-122"/>
-              </a:rPr>
-              <a:t>个和</a:t>
-            </a:r>
-            <a:r>
-              <a:rPr lang="en-US" altLang="zh-CN" dirty="0">
-                <a:solidFill>
-                  <a:srgbClr val="FF0000"/>
-                </a:solidFill>
-                <a:latin typeface="Microsoft Yahei" panose="020B0503020204020204" pitchFamily="34" charset="-122"/>
-                <a:ea typeface="Microsoft Yahei" panose="020B0503020204020204" pitchFamily="34" charset="-122"/>
-              </a:rPr>
-              <a:t>36</a:t>
-            </a:r>
-            <a:r>
-              <a:rPr lang="zh-CN" altLang="en-US" dirty="0">
-                <a:solidFill>
-                  <a:srgbClr val="000000"/>
-                </a:solidFill>
-                <a:latin typeface="Microsoft Yahei" panose="020B0503020204020204" pitchFamily="34" charset="-122"/>
-                <a:ea typeface="Microsoft Yahei" panose="020B0503020204020204" pitchFamily="34" charset="-122"/>
-              </a:rPr>
-              <a:t>个太阳质量，合并过程中有相当于</a:t>
-            </a:r>
-            <a:r>
-              <a:rPr lang="en-US" altLang="zh-CN" dirty="0">
-                <a:solidFill>
-                  <a:srgbClr val="FF0000"/>
-                </a:solidFill>
-                <a:latin typeface="Microsoft Yahei" panose="020B0503020204020204" pitchFamily="34" charset="-122"/>
-                <a:ea typeface="Microsoft Yahei" panose="020B0503020204020204" pitchFamily="34" charset="-122"/>
-              </a:rPr>
-              <a:t>3</a:t>
-            </a:r>
-            <a:r>
-              <a:rPr lang="zh-CN" altLang="en-US" dirty="0">
-                <a:solidFill>
-                  <a:srgbClr val="FF0000"/>
-                </a:solidFill>
-                <a:latin typeface="Microsoft Yahei" panose="020B0503020204020204" pitchFamily="34" charset="-122"/>
-                <a:ea typeface="Microsoft Yahei" panose="020B0503020204020204" pitchFamily="34" charset="-122"/>
-              </a:rPr>
-              <a:t>倍太阳</a:t>
-            </a:r>
-            <a:r>
-              <a:rPr lang="zh-CN" altLang="en-US" dirty="0">
-                <a:solidFill>
-                  <a:srgbClr val="000000"/>
-                </a:solidFill>
-                <a:latin typeface="Microsoft Yahei" panose="020B0503020204020204" pitchFamily="34" charset="-122"/>
-                <a:ea typeface="Microsoft Yahei" panose="020B0503020204020204" pitchFamily="34" charset="-122"/>
-              </a:rPr>
-              <a:t>质量的能量被以引力波形式释放出去。</a:t>
-            </a:r>
-          </a:p>
-          <a:p>
-            <a:r>
-              <a:rPr lang="zh-CN" altLang="en-US" dirty="0" smtClean="0">
-                <a:solidFill>
-                  <a:srgbClr val="000000"/>
-                </a:solidFill>
-                <a:latin typeface="Microsoft Yahei" panose="020B0503020204020204" pitchFamily="34" charset="-122"/>
-                <a:ea typeface="Microsoft Yahei" panose="020B0503020204020204" pitchFamily="34" charset="-122"/>
-              </a:rPr>
-              <a:t>今天</a:t>
-            </a:r>
-            <a:r>
-              <a:rPr lang="zh-CN" altLang="en-US" dirty="0">
-                <a:solidFill>
-                  <a:srgbClr val="000000"/>
-                </a:solidFill>
-                <a:latin typeface="Microsoft Yahei" panose="020B0503020204020204" pitchFamily="34" charset="-122"/>
-                <a:ea typeface="Microsoft Yahei" panose="020B0503020204020204" pitchFamily="34" charset="-122"/>
-              </a:rPr>
-              <a:t>，我们开启了引力波天文学的崭新</a:t>
-            </a:r>
-            <a:r>
-              <a:rPr lang="zh-CN" altLang="en-US" dirty="0" smtClean="0">
-                <a:solidFill>
-                  <a:srgbClr val="000000"/>
-                </a:solidFill>
-                <a:latin typeface="Microsoft Yahei" panose="020B0503020204020204" pitchFamily="34" charset="-122"/>
-                <a:ea typeface="Microsoft Yahei" panose="020B0503020204020204" pitchFamily="34" charset="-122"/>
-              </a:rPr>
-              <a:t>时代。</a:t>
-            </a:r>
-            <a:endParaRPr lang="zh-CN" altLang="en-US" b="0" i="0" dirty="0">
-              <a:solidFill>
-                <a:srgbClr val="000000"/>
-              </a:solidFill>
-              <a:effectLst/>
-              <a:latin typeface="Microsoft Yahei" panose="020B0503020204020204" pitchFamily="34" charset="-122"/>
-              <a:ea typeface="Microsoft Yahei" panose="020B0503020204020204" pitchFamily="34" charset="-122"/>
-            </a:endParaRPr>
-          </a:p>
-        </p:txBody>
-      </p:sp>
-      <p:sp>
-        <p:nvSpPr>
-          <p:cNvPr id="6" name="标题 1"/>
-          <p:cNvSpPr>
-            <a:spLocks noGrp="1"/>
-          </p:cNvSpPr>
-          <p:nvPr>
-            <p:ph type="ctrTitle"/>
-          </p:nvPr>
-        </p:nvSpPr>
-        <p:spPr>
-          <a:xfrm>
-            <a:off x="1401170" y="545910"/>
-            <a:ext cx="9144000" cy="1067014"/>
-          </a:xfrm>
-        </p:spPr>
-        <p:txBody>
-          <a:bodyPr/>
-          <a:lstStyle/>
-          <a:p>
-            <a:r>
-              <a:rPr lang="zh-CN" altLang="en-US" dirty="0" smtClean="0"/>
-              <a:t>探测</a:t>
-            </a:r>
-            <a:endParaRPr lang="zh-CN" altLang="en-US" dirty="0"/>
+              <a:rPr lang="zh-CN" altLang="en-US" sz="7200" dirty="0"/>
+              <a:t>宇宙大蹦床</a:t>
+            </a:r>
           </a:p>
         </p:txBody>
       </p:sp>
     </p:spTree>
     <p:extLst>
       <p:ext uri="{BB962C8B-B14F-4D97-AF65-F5344CB8AC3E}">
-        <p14:creationId xmlns:p14="http://schemas.microsoft.com/office/powerpoint/2010/main" val="4240773457"/>
+        <p14:creationId xmlns:p14="http://schemas.microsoft.com/office/powerpoint/2010/main" val="3677274995"/>
       </p:ext>
     </p:extLst>
   </p:cSld>
@@ -5342,21 +3174,31 @@
         </p:nvSpPr>
         <p:spPr/>
         <p:txBody>
-          <a:bodyPr/>
-          <a:lstStyle/>
-          <a:p>
-            <a:r>
-              <a:rPr lang="zh-CN" altLang="en-US" dirty="0" smtClean="0"/>
-              <a:t>引力波是什么？能吃吗？</a:t>
-            </a:r>
-            <a:endParaRPr lang="zh-CN" altLang="en-US" dirty="0"/>
+          <a:bodyPr>
+            <a:normAutofit/>
+          </a:bodyPr>
+          <a:lstStyle/>
+          <a:p>
+            <a:r>
+              <a:rPr lang="zh-CN" altLang="en-US" sz="7200" dirty="0"/>
+              <a:t>用圆规丈量</a:t>
+            </a:r>
+            <a:r>
+              <a:rPr lang="zh-CN" altLang="en-US" sz="7200" dirty="0" smtClean="0"/>
+              <a:t>宇宙</a:t>
+            </a:r>
+            <a:r>
+              <a:rPr lang="en-US" altLang="zh-CN" sz="7200" dirty="0"/>
+              <a:t>LIGO</a:t>
+            </a:r>
+            <a:endParaRPr lang="zh-CN" altLang="en-US" sz="7200" dirty="0"/>
           </a:p>
         </p:txBody>
       </p:sp>
     </p:spTree>
     <p:extLst>
       <p:ext uri="{BB962C8B-B14F-4D97-AF65-F5344CB8AC3E}">
-        <p14:creationId xmlns:p14="http://schemas.microsoft.com/office/powerpoint/2010/main" val="3051728170"/>
+        <p14:creationId xmlns:p14="http://schemas.microsoft.com/office/powerpoint/2010/main" val="922775651"/>
       </p:ext>
     </p:extLst>
   </p:cSld>
@@ -5395,685 +3237,23 @@
         </p:nvSpPr>
         <p:spPr/>
         <p:txBody>
-          <a:bodyPr/>
-          <a:lstStyle/>
-          <a:p>
-            <a:r>
-              <a:rPr lang="zh-CN" altLang="en-US" dirty="0"/>
-              <a:t>宇宙大蹦床</a:t>
-            </a:r>
+          <a:bodyPr>
+            <a:normAutofit/>
+          </a:bodyPr>
+          <a:lstStyle/>
+          <a:p>
+            <a:r>
+              <a:rPr lang="zh-CN" altLang="en-US" sz="7200" dirty="0" smtClean="0"/>
+              <a:t>引力波的意义</a:t>
+            </a:r>
+            <a:endParaRPr lang="zh-CN" altLang="en-US" sz="7200" dirty="0"/>
           </a:p>
         </p:txBody>
       </p:sp>
     </p:spTree>
     <p:extLst>
       <p:ext uri="{BB962C8B-B14F-4D97-AF65-F5344CB8AC3E}">
-        <p14:creationId xmlns:p14="http://schemas.microsoft.com/office/powerpoint/2010/main" val="3677274995"/>
-      </p:ext>
-    </p:extLst>
-  </p:cSld>
-  <p:clrMapOvr>
-    <a:masterClrMapping/>
-  </p:clrMapOvr>
-</p:sld>
-</file>
-
-<file path=ppt/slides/slide6.xml><?xml version="1.0" encoding="utf-8"?>
-<p:sld xmlns:a="http://schemas.openxmlformats.org/drawingml/2006/main" xmlns:r="http://schemas.openxmlformats.org/officeDocument/2006/relationships" xmlns:p="http://schemas.openxmlformats.org/presentationml/2006/main">
-  <p:cSld>
-    <p:spTree>
-      <p:nvGrpSpPr>
-        <p:cNvPr id="1" name=""/>
-        <p:cNvGrpSpPr/>
-        <p:nvPr/>
-      </p:nvGrpSpPr>
-      <p:grpSpPr>
-        <a:xfrm>
-          <a:off x="0" y="0"/>
-          <a:ext cx="0" cy="0"/>
-          <a:chOff x="0" y="0"/>
-          <a:chExt cx="0" cy="0"/>
-        </a:xfrm>
-      </p:grpSpPr>
-      <p:sp>
-        <p:nvSpPr>
-          <p:cNvPr id="6" name="矩形 5"/>
-          <p:cNvSpPr/>
-          <p:nvPr/>
-        </p:nvSpPr>
-        <p:spPr>
-          <a:xfrm>
-            <a:off x="1301085" y="621943"/>
-            <a:ext cx="9739953" cy="923330"/>
-          </a:xfrm>
-          <a:prstGeom prst="rect">
-            <a:avLst/>
-          </a:prstGeom>
-        </p:spPr>
-        <p:txBody>
-          <a:bodyPr wrap="square">
-            <a:spAutoFit/>
-          </a:bodyPr>
-          <a:lstStyle/>
-          <a:p>
-            <a:r>
-              <a:rPr lang="zh-CN" altLang="en-US" b="0" i="0" dirty="0" smtClean="0">
-                <a:solidFill>
-                  <a:srgbClr val="3E3E3E"/>
-                </a:solidFill>
-                <a:effectLst/>
-                <a:latin typeface="Hiragino Sans GB"/>
-              </a:rPr>
-              <a:t>一百年以前，爱因斯坦发表了</a:t>
-            </a:r>
-            <a:r>
-              <a:rPr lang="zh-CN" altLang="en-US" b="1" i="0" dirty="0" smtClean="0">
-                <a:solidFill>
-                  <a:srgbClr val="3E3E3E"/>
-                </a:solidFill>
-                <a:effectLst/>
-                <a:latin typeface="Hiragino Sans GB"/>
-              </a:rPr>
-              <a:t>广义相对论</a:t>
-            </a:r>
-            <a:r>
-              <a:rPr lang="zh-CN" altLang="en-US" b="0" i="0" dirty="0" smtClean="0">
-                <a:solidFill>
-                  <a:srgbClr val="3E3E3E"/>
-                </a:solidFill>
-                <a:effectLst/>
-                <a:latin typeface="Hiragino Sans GB"/>
-              </a:rPr>
-              <a:t>，推翻了牛顿的万有引力定律。</a:t>
-            </a:r>
-            <a:r>
-              <a:rPr lang="zh-CN" altLang="en-US" dirty="0"/>
-              <a:t>相对论里认为，我们所处的时空好比一张膜，任何有质量的物体会使这张膜发生形变，质量大一些的，比如地球，就会造成比较明显的影响</a:t>
-            </a:r>
-            <a:r>
-              <a:rPr lang="zh-CN" altLang="en-US" dirty="0" smtClean="0"/>
-              <a:t>。</a:t>
-            </a:r>
-            <a:r>
-              <a:rPr lang="zh-CN" altLang="en-US" b="1" dirty="0"/>
-              <a:t>这种影响，就是所谓的引力。</a:t>
-            </a:r>
-            <a:endParaRPr lang="zh-CN" altLang="en-US" dirty="0"/>
-          </a:p>
-        </p:txBody>
-      </p:sp>
-      <p:sp>
-        <p:nvSpPr>
-          <p:cNvPr id="2" name="矩形 1"/>
-          <p:cNvSpPr/>
-          <p:nvPr/>
-        </p:nvSpPr>
-        <p:spPr>
-          <a:xfrm>
-            <a:off x="1301084" y="1952823"/>
-            <a:ext cx="9739953" cy="579646"/>
-          </a:xfrm>
-          <a:prstGeom prst="rect">
-            <a:avLst/>
-          </a:prstGeom>
-        </p:spPr>
-        <p:txBody>
-          <a:bodyPr wrap="square">
-            <a:spAutoFit/>
-          </a:bodyPr>
-          <a:lstStyle/>
-          <a:p>
-            <a:pPr>
-              <a:lnSpc>
-                <a:spcPts val="1920"/>
-              </a:lnSpc>
-              <a:spcAft>
-                <a:spcPts val="0"/>
-              </a:spcAft>
-            </a:pPr>
-            <a:r>
-              <a:rPr lang="zh-CN" altLang="zh-CN" dirty="0">
-                <a:solidFill>
-                  <a:srgbClr val="3E3E3E"/>
-                </a:solidFill>
-                <a:latin typeface="宋体" panose="02010600030101010101" pitchFamily="2" charset="-122"/>
-                <a:ea typeface="微软雅黑" panose="020B0503020204020204" pitchFamily="34" charset="-122"/>
-                <a:cs typeface="宋体" panose="02010600030101010101" pitchFamily="2" charset="-122"/>
-              </a:rPr>
-              <a:t>当两个大质量的物体并不是真的在互相吸引，而是</a:t>
-            </a:r>
-            <a:r>
-              <a:rPr lang="en-US" altLang="zh-CN" dirty="0">
-                <a:solidFill>
-                  <a:srgbClr val="3E3E3E"/>
-                </a:solidFill>
-                <a:latin typeface="宋体" panose="02010600030101010101" pitchFamily="2" charset="-122"/>
-                <a:ea typeface="微软雅黑" panose="020B0503020204020204" pitchFamily="34" charset="-122"/>
-                <a:cs typeface="宋体" panose="02010600030101010101" pitchFamily="2" charset="-122"/>
-              </a:rPr>
-              <a:t> </a:t>
-            </a:r>
-            <a:r>
-              <a:rPr lang="zh-CN" altLang="zh-CN" b="1" dirty="0">
-                <a:solidFill>
-                  <a:srgbClr val="3E3E3E"/>
-                </a:solidFill>
-                <a:latin typeface="宋体" panose="02010600030101010101" pitchFamily="2" charset="-122"/>
-                <a:ea typeface="微软雅黑" panose="020B0503020204020204" pitchFamily="34" charset="-122"/>
-                <a:cs typeface="宋体" panose="02010600030101010101" pitchFamily="2" charset="-122"/>
-              </a:rPr>
-              <a:t>“ 弯曲 ” 的时空把它们凑到了一起，</a:t>
-            </a:r>
-            <a:r>
-              <a:rPr lang="zh-CN" altLang="zh-CN" dirty="0">
-                <a:solidFill>
-                  <a:srgbClr val="3E3E3E"/>
-                </a:solidFill>
-                <a:latin typeface="宋体" panose="02010600030101010101" pitchFamily="2" charset="-122"/>
-                <a:ea typeface="微软雅黑" panose="020B0503020204020204" pitchFamily="34" charset="-122"/>
-                <a:cs typeface="宋体" panose="02010600030101010101" pitchFamily="2" charset="-122"/>
-              </a:rPr>
-              <a:t>是不是不相信爱情了。。。</a:t>
-            </a:r>
-            <a:endParaRPr lang="zh-CN" altLang="zh-CN" dirty="0">
-              <a:latin typeface="宋体" panose="02010600030101010101" pitchFamily="2" charset="-122"/>
-              <a:cs typeface="宋体" panose="02010600030101010101" pitchFamily="2" charset="-122"/>
-            </a:endParaRPr>
-          </a:p>
-        </p:txBody>
-      </p:sp>
-      <p:sp>
-        <p:nvSpPr>
-          <p:cNvPr id="3" name="矩形 2"/>
-          <p:cNvSpPr/>
-          <p:nvPr/>
-        </p:nvSpPr>
-        <p:spPr>
-          <a:xfrm>
-            <a:off x="1301084" y="2940019"/>
-            <a:ext cx="1569660" cy="369332"/>
-          </a:xfrm>
-          <a:prstGeom prst="rect">
-            <a:avLst/>
-          </a:prstGeom>
-        </p:spPr>
-        <p:txBody>
-          <a:bodyPr wrap="none">
-            <a:spAutoFit/>
-          </a:bodyPr>
-          <a:lstStyle/>
-          <a:p>
-            <a:r>
-              <a:rPr lang="zh-CN" altLang="zh-CN" dirty="0">
-                <a:solidFill>
-                  <a:srgbClr val="3E3E3E"/>
-                </a:solidFill>
-                <a:ea typeface="微软雅黑" panose="020B0503020204020204" pitchFamily="34" charset="-122"/>
-                <a:cs typeface="Times New Roman" panose="02020603050405020304" pitchFamily="18" charset="0"/>
-              </a:rPr>
-              <a:t>地球绕着太阳</a:t>
-            </a:r>
-            <a:endParaRPr lang="zh-CN" altLang="en-US" dirty="0"/>
-          </a:p>
-        </p:txBody>
-      </p:sp>
-      <p:sp>
-        <p:nvSpPr>
-          <p:cNvPr id="8" name="矩形 7"/>
-          <p:cNvSpPr/>
-          <p:nvPr/>
-        </p:nvSpPr>
-        <p:spPr>
-          <a:xfrm>
-            <a:off x="1301083" y="3716901"/>
-            <a:ext cx="9739953" cy="2031325"/>
-          </a:xfrm>
-          <a:prstGeom prst="rect">
-            <a:avLst/>
-          </a:prstGeom>
-        </p:spPr>
-        <p:txBody>
-          <a:bodyPr wrap="square">
-            <a:spAutoFit/>
-          </a:bodyPr>
-          <a:lstStyle/>
-          <a:p>
-            <a:r>
-              <a:rPr lang="zh-CN" altLang="zh-CN" dirty="0">
-                <a:solidFill>
-                  <a:srgbClr val="3E3E3E"/>
-                </a:solidFill>
-                <a:ea typeface="微软雅黑" panose="020B0503020204020204" pitchFamily="34" charset="-122"/>
-                <a:cs typeface="Times New Roman" panose="02020603050405020304" pitchFamily="18" charset="0"/>
-              </a:rPr>
-              <a:t>爱因斯坦后来提到，这种时空形变可以在宇宙中以光速传播，并以</a:t>
-            </a:r>
-            <a:r>
-              <a:rPr lang="en-US" altLang="zh-CN" dirty="0">
-                <a:solidFill>
-                  <a:srgbClr val="3E3E3E"/>
-                </a:solidFill>
-                <a:ea typeface="微软雅黑" panose="020B0503020204020204" pitchFamily="34" charset="-122"/>
-                <a:cs typeface="Times New Roman" panose="02020603050405020304" pitchFamily="18" charset="0"/>
-              </a:rPr>
-              <a:t> " </a:t>
-            </a:r>
-            <a:r>
-              <a:rPr lang="zh-CN" altLang="zh-CN" dirty="0">
-                <a:solidFill>
-                  <a:srgbClr val="3E3E3E"/>
-                </a:solidFill>
-                <a:ea typeface="微软雅黑" panose="020B0503020204020204" pitchFamily="34" charset="-122"/>
-                <a:cs typeface="Times New Roman" panose="02020603050405020304" pitchFamily="18" charset="0"/>
-              </a:rPr>
-              <a:t>引力波</a:t>
-            </a:r>
-            <a:r>
-              <a:rPr lang="en-US" altLang="zh-CN" dirty="0">
-                <a:solidFill>
-                  <a:srgbClr val="3E3E3E"/>
-                </a:solidFill>
-                <a:ea typeface="微软雅黑" panose="020B0503020204020204" pitchFamily="34" charset="-122"/>
-                <a:cs typeface="Times New Roman" panose="02020603050405020304" pitchFamily="18" charset="0"/>
-              </a:rPr>
-              <a:t> " </a:t>
-            </a:r>
-            <a:r>
-              <a:rPr lang="zh-CN" altLang="zh-CN" dirty="0">
-                <a:solidFill>
-                  <a:srgbClr val="3E3E3E"/>
-                </a:solidFill>
-                <a:ea typeface="微软雅黑" panose="020B0503020204020204" pitchFamily="34" charset="-122"/>
-                <a:cs typeface="Times New Roman" panose="02020603050405020304" pitchFamily="18" charset="0"/>
-              </a:rPr>
-              <a:t>来</a:t>
-            </a:r>
-            <a:r>
-              <a:rPr lang="zh-CN" altLang="zh-CN" dirty="0" smtClean="0">
-                <a:solidFill>
-                  <a:srgbClr val="3E3E3E"/>
-                </a:solidFill>
-                <a:ea typeface="微软雅黑" panose="020B0503020204020204" pitchFamily="34" charset="-122"/>
-                <a:cs typeface="Times New Roman" panose="02020603050405020304" pitchFamily="18" charset="0"/>
-              </a:rPr>
-              <a:t>命名</a:t>
-            </a:r>
-            <a:endParaRPr lang="en-US" altLang="zh-CN" dirty="0" smtClean="0">
-              <a:solidFill>
-                <a:srgbClr val="3E3E3E"/>
-              </a:solidFill>
-              <a:ea typeface="微软雅黑" panose="020B0503020204020204" pitchFamily="34" charset="-122"/>
-              <a:cs typeface="Times New Roman" panose="02020603050405020304" pitchFamily="18" charset="0"/>
-            </a:endParaRPr>
-          </a:p>
-          <a:p>
-            <a:endParaRPr lang="en-US" altLang="zh-CN" dirty="0" smtClean="0">
-              <a:solidFill>
-                <a:srgbClr val="3E3E3E"/>
-              </a:solidFill>
-              <a:ea typeface="微软雅黑" panose="020B0503020204020204" pitchFamily="34" charset="-122"/>
-              <a:cs typeface="Times New Roman" panose="02020603050405020304" pitchFamily="18" charset="0"/>
-            </a:endParaRPr>
-          </a:p>
-          <a:p>
-            <a:r>
-              <a:rPr lang="zh-CN" altLang="en-US" dirty="0"/>
-              <a:t>加速下的大质量物体将会扭曲时空，并产生从该源头发出的时空涟漪</a:t>
-            </a:r>
-            <a:endParaRPr lang="en-US" altLang="zh-CN" dirty="0">
-              <a:solidFill>
-                <a:srgbClr val="3E3E3E"/>
-              </a:solidFill>
-              <a:ea typeface="微软雅黑" panose="020B0503020204020204" pitchFamily="34" charset="-122"/>
-              <a:cs typeface="Times New Roman" panose="02020603050405020304" pitchFamily="18" charset="0"/>
-            </a:endParaRPr>
-          </a:p>
-          <a:p>
-            <a:endParaRPr lang="en-US" altLang="zh-CN" dirty="0" smtClean="0">
-              <a:solidFill>
-                <a:srgbClr val="3E3E3E"/>
-              </a:solidFill>
-              <a:ea typeface="微软雅黑" panose="020B0503020204020204" pitchFamily="34" charset="-122"/>
-              <a:cs typeface="Times New Roman" panose="02020603050405020304" pitchFamily="18" charset="0"/>
-            </a:endParaRPr>
-          </a:p>
-          <a:p>
-            <a:r>
-              <a:rPr lang="zh-CN" altLang="zh-CN" dirty="0"/>
-              <a:t>但他当时认为，这种形变太微小了，以人类的技术几乎是探测不到</a:t>
-            </a:r>
-            <a:r>
-              <a:rPr lang="zh-CN" altLang="zh-CN" dirty="0" smtClean="0"/>
-              <a:t>的</a:t>
-            </a:r>
-            <a:endParaRPr lang="en-US" altLang="zh-CN" dirty="0" smtClean="0"/>
-          </a:p>
-          <a:p>
-            <a:r>
-              <a:rPr lang="zh-CN" altLang="zh-CN" dirty="0"/>
-              <a:t>一百年来，广义相对论不停地被各种观测到的现象验证，</a:t>
-            </a:r>
-            <a:r>
-              <a:rPr lang="zh-CN" altLang="zh-CN" b="1" dirty="0"/>
-              <a:t>可以说是最接近宇宙真相的理论了</a:t>
-            </a:r>
-            <a:r>
-              <a:rPr lang="zh-CN" altLang="zh-CN" dirty="0"/>
-              <a:t>，但是引力波的预言以前始终因为观测技术有限，没有被证实</a:t>
-            </a:r>
-            <a:endParaRPr lang="zh-CN" altLang="en-US" dirty="0"/>
-          </a:p>
-        </p:txBody>
-      </p:sp>
-    </p:spTree>
-    <p:extLst>
-      <p:ext uri="{BB962C8B-B14F-4D97-AF65-F5344CB8AC3E}">
-        <p14:creationId xmlns:p14="http://schemas.microsoft.com/office/powerpoint/2010/main" val="929080301"/>
-      </p:ext>
-    </p:extLst>
-  </p:cSld>
-  <p:clrMapOvr>
-    <a:masterClrMapping/>
-  </p:clrMapOvr>
-</p:sld>
-</file>
-
-<file path=ppt/slides/slide7.xml><?xml version="1.0" encoding="utf-8"?>
-<p:sld xmlns:a="http://schemas.openxmlformats.org/drawingml/2006/main" xmlns:r="http://schemas.openxmlformats.org/officeDocument/2006/relationships" xmlns:p="http://schemas.openxmlformats.org/presentationml/2006/main">
-  <p:cSld>
-    <p:spTree>
-      <p:nvGrpSpPr>
-        <p:cNvPr id="1" name=""/>
-        <p:cNvGrpSpPr/>
-        <p:nvPr/>
-      </p:nvGrpSpPr>
-      <p:grpSpPr>
-        <a:xfrm>
-          <a:off x="0" y="0"/>
-          <a:ext cx="0" cy="0"/>
-          <a:chOff x="0" y="0"/>
-          <a:chExt cx="0" cy="0"/>
-        </a:xfrm>
-      </p:grpSpPr>
-      <p:sp>
-        <p:nvSpPr>
-          <p:cNvPr id="2" name="标题 1"/>
-          <p:cNvSpPr>
-            <a:spLocks noGrp="1"/>
-          </p:cNvSpPr>
-          <p:nvPr>
-            <p:ph type="ctrTitle"/>
-          </p:nvPr>
-        </p:nvSpPr>
-        <p:spPr>
-          <a:xfrm>
-            <a:off x="1578591" y="887104"/>
-            <a:ext cx="9144000" cy="930536"/>
-          </a:xfrm>
-        </p:spPr>
-        <p:txBody>
-          <a:bodyPr/>
-          <a:lstStyle/>
-          <a:p>
-            <a:r>
-              <a:rPr lang="zh-CN" altLang="en-US" dirty="0" smtClean="0"/>
-              <a:t>引力波的产生</a:t>
-            </a:r>
-            <a:endParaRPr lang="zh-CN" altLang="en-US" dirty="0"/>
-          </a:p>
-        </p:txBody>
-      </p:sp>
-    </p:spTree>
-    <p:extLst>
-      <p:ext uri="{BB962C8B-B14F-4D97-AF65-F5344CB8AC3E}">
-        <p14:creationId xmlns:p14="http://schemas.microsoft.com/office/powerpoint/2010/main" val="1346674332"/>
-      </p:ext>
-    </p:extLst>
-  </p:cSld>
-  <p:clrMapOvr>
-    <a:masterClrMapping/>
-  </p:clrMapOvr>
-</p:sld>
-</file>
-
-<file path=ppt/slides/slide8.xml><?xml version="1.0" encoding="utf-8"?>
-<p:sld xmlns:a="http://schemas.openxmlformats.org/drawingml/2006/main" xmlns:r="http://schemas.openxmlformats.org/officeDocument/2006/relationships" xmlns:p="http://schemas.openxmlformats.org/presentationml/2006/main">
-  <p:cSld>
-    <p:spTree>
-      <p:nvGrpSpPr>
-        <p:cNvPr id="1" name=""/>
-        <p:cNvGrpSpPr/>
-        <p:nvPr/>
-      </p:nvGrpSpPr>
-      <p:grpSpPr>
-        <a:xfrm>
-          <a:off x="0" y="0"/>
-          <a:ext cx="0" cy="0"/>
-          <a:chOff x="0" y="0"/>
-          <a:chExt cx="0" cy="0"/>
-        </a:xfrm>
-      </p:grpSpPr>
-      <p:sp>
-        <p:nvSpPr>
-          <p:cNvPr id="9" name="矩形 8"/>
-          <p:cNvSpPr/>
-          <p:nvPr/>
-        </p:nvSpPr>
-        <p:spPr>
-          <a:xfrm>
-            <a:off x="632346" y="292374"/>
-            <a:ext cx="11145671" cy="5632311"/>
-          </a:xfrm>
-          <a:prstGeom prst="rect">
-            <a:avLst/>
-          </a:prstGeom>
-        </p:spPr>
-        <p:txBody>
-          <a:bodyPr wrap="square">
-            <a:spAutoFit/>
-          </a:bodyPr>
-          <a:lstStyle/>
-          <a:p>
-            <a:r>
-              <a:rPr lang="zh-CN" altLang="zh-CN" kern="0" dirty="0">
-                <a:solidFill>
-                  <a:srgbClr val="333333"/>
-                </a:solidFill>
-                <a:cs typeface="宋体" panose="02010600030101010101" pitchFamily="2" charset="-122"/>
-              </a:rPr>
-              <a:t>很多人都听说过爱因斯坦的广义相对论，但并不知道它讲了什么。事实上，广义相对论的很多推论是人们的直觉无法理解的。比如这一项——引力的定义</a:t>
-            </a:r>
-            <a:r>
-              <a:rPr lang="zh-CN" altLang="zh-CN" kern="0" dirty="0" smtClean="0">
-                <a:solidFill>
-                  <a:srgbClr val="333333"/>
-                </a:solidFill>
-                <a:cs typeface="宋体" panose="02010600030101010101" pitchFamily="2" charset="-122"/>
-              </a:rPr>
-              <a:t>。</a:t>
-            </a:r>
-            <a:endParaRPr lang="en-US" altLang="zh-CN" kern="0" dirty="0" smtClean="0">
-              <a:solidFill>
-                <a:srgbClr val="333333"/>
-              </a:solidFill>
-              <a:cs typeface="宋体" panose="02010600030101010101" pitchFamily="2" charset="-122"/>
-            </a:endParaRPr>
-          </a:p>
-          <a:p>
-            <a:endParaRPr lang="en-US" altLang="zh-CN" kern="0" dirty="0" smtClean="0">
-              <a:solidFill>
-                <a:srgbClr val="333333"/>
-              </a:solidFill>
-              <a:cs typeface="宋体" panose="02010600030101010101" pitchFamily="2" charset="-122"/>
-            </a:endParaRPr>
-          </a:p>
-          <a:p>
-            <a:r>
-              <a:rPr lang="zh-CN" altLang="zh-CN" dirty="0"/>
-              <a:t>在广义相对论中，引力被归咎与时空的弯曲。</a:t>
-            </a:r>
-            <a:r>
-              <a:rPr lang="en-US" altLang="zh-CN" dirty="0"/>
-              <a:t/>
-            </a:r>
-            <a:br>
-              <a:rPr lang="en-US" altLang="zh-CN" dirty="0"/>
-            </a:br>
-            <a:r>
-              <a:rPr lang="en-US" altLang="zh-CN" dirty="0"/>
-              <a:t/>
-            </a:r>
-            <a:br>
-              <a:rPr lang="en-US" altLang="zh-CN" dirty="0"/>
-            </a:br>
-            <a:r>
-              <a:rPr lang="zh-CN" altLang="zh-CN" dirty="0"/>
-              <a:t>　　”时空弯曲是什么鬼</a:t>
-            </a:r>
-            <a:r>
-              <a:rPr lang="en-US" altLang="zh-CN" dirty="0"/>
-              <a:t>?</a:t>
-            </a:r>
-            <a:r>
-              <a:rPr lang="zh-CN" altLang="zh-CN" dirty="0"/>
-              <a:t>“相信大多数人听说之后都是这个反应。它的意思是，我们平时看到的空间貌似是平直的，但真实的情况中，却是像哈哈镜里一样扭曲的。这种扭曲是物质造成的，质量越大，扭曲就越大。</a:t>
-            </a:r>
-            <a:r>
-              <a:rPr lang="en-US" altLang="zh-CN" dirty="0"/>
-              <a:t/>
-            </a:r>
-            <a:br>
-              <a:rPr lang="en-US" altLang="zh-CN" dirty="0"/>
-            </a:br>
-            <a:r>
-              <a:rPr lang="en-US" altLang="zh-CN" dirty="0"/>
-              <a:t/>
-            </a:r>
-            <a:br>
-              <a:rPr lang="en-US" altLang="zh-CN" dirty="0"/>
-            </a:br>
-            <a:r>
-              <a:rPr lang="zh-CN" altLang="zh-CN" dirty="0"/>
-              <a:t>　　我们可以把宇宙想象成一个蹦床，如果没有任何扰动，它是平坦的。但有质量的物体出现时，比如一个鸡蛋，来游乐场的小孩子，或者是地球这样的庞然大物，它就会变得弯曲</a:t>
-            </a:r>
-            <a:r>
-              <a:rPr lang="zh-CN" altLang="zh-CN" dirty="0" smtClean="0"/>
-              <a:t>。</a:t>
-            </a:r>
-            <a:endParaRPr lang="en-US" altLang="zh-CN" dirty="0" smtClean="0"/>
-          </a:p>
-          <a:p>
-            <a:endParaRPr lang="en-US" altLang="zh-CN" dirty="0" smtClean="0"/>
-          </a:p>
-          <a:p>
-            <a:r>
-              <a:rPr lang="zh-CN" altLang="zh-CN" dirty="0"/>
-              <a:t>可怜的是，这种弯曲，对于生活在蹦床上的微小生物——我说的就是人类这种生物——来说，一是由于我们跟着蹦床一起弯曲了，二是由于这种弯曲太微小，我们完全感觉不到这种弯曲。</a:t>
-            </a:r>
-            <a:r>
-              <a:rPr lang="en-US" altLang="zh-CN" dirty="0"/>
-              <a:t/>
-            </a:r>
-            <a:br>
-              <a:rPr lang="en-US" altLang="zh-CN" dirty="0"/>
-            </a:br>
-            <a:r>
-              <a:rPr lang="en-US" altLang="zh-CN" dirty="0"/>
-              <a:t/>
-            </a:r>
-            <a:br>
-              <a:rPr lang="en-US" altLang="zh-CN" dirty="0"/>
-            </a:br>
-            <a:r>
-              <a:rPr lang="zh-CN" altLang="zh-CN" dirty="0"/>
-              <a:t>　　如果只是弯曲还好。但如果这个大质量物体发生变化——鸡蛋被吃了，小孩子蹦走了，或者地球爆炸了——蹦床就会开始震动，这种震动就是引力波。当然，跟着一起震动的我们也感觉不到它在震动。</a:t>
-            </a:r>
-            <a:r>
-              <a:rPr lang="en-US" altLang="zh-CN" dirty="0"/>
-              <a:t/>
-            </a:r>
-            <a:br>
-              <a:rPr lang="en-US" altLang="zh-CN" dirty="0"/>
-            </a:br>
-            <a:r>
-              <a:rPr lang="en-US" altLang="zh-CN" dirty="0"/>
-              <a:t/>
-            </a:r>
-            <a:br>
-              <a:rPr lang="en-US" altLang="zh-CN" dirty="0"/>
-            </a:br>
-            <a:r>
-              <a:rPr lang="zh-CN" altLang="en-US" dirty="0"/>
-              <a:t>如果只存在一个质量物体，静止地存在于时空之中 （或者处于匀速运动状态），那么它所处的时空不会发生变化。但如果你加入第二个质量物体，那么这两个物体之间就会发生相互运动，互相会向对方施加一个加速 度，在这一过程中也就将造成时空结构的改变。</a:t>
-            </a:r>
-          </a:p>
-        </p:txBody>
-      </p:sp>
-    </p:spTree>
-    <p:extLst>
-      <p:ext uri="{BB962C8B-B14F-4D97-AF65-F5344CB8AC3E}">
-        <p14:creationId xmlns:p14="http://schemas.microsoft.com/office/powerpoint/2010/main" val="1972484537"/>
-      </p:ext>
-    </p:extLst>
-  </p:cSld>
-  <p:clrMapOvr>
-    <a:masterClrMapping/>
-  </p:clrMapOvr>
-</p:sld>
-</file>
-
-<file path=ppt/slides/slide9.xml><?xml version="1.0" encoding="utf-8"?>
-<p:sld xmlns:a="http://schemas.openxmlformats.org/drawingml/2006/main" xmlns:r="http://schemas.openxmlformats.org/officeDocument/2006/relationships" xmlns:p="http://schemas.openxmlformats.org/presentationml/2006/main">
-  <p:cSld>
-    <p:spTree>
-      <p:nvGrpSpPr>
-        <p:cNvPr id="1" name=""/>
-        <p:cNvGrpSpPr/>
-        <p:nvPr/>
-      </p:nvGrpSpPr>
-      <p:grpSpPr>
-        <a:xfrm>
-          <a:off x="0" y="0"/>
-          <a:ext cx="0" cy="0"/>
-          <a:chOff x="0" y="0"/>
-          <a:chExt cx="0" cy="0"/>
-        </a:xfrm>
-      </p:grpSpPr>
-      <p:sp>
-        <p:nvSpPr>
-          <p:cNvPr id="2" name="标题 1"/>
-          <p:cNvSpPr>
-            <a:spLocks noGrp="1"/>
-          </p:cNvSpPr>
-          <p:nvPr>
-            <p:ph type="ctrTitle"/>
-          </p:nvPr>
-        </p:nvSpPr>
-        <p:spPr/>
-        <p:txBody>
-          <a:bodyPr/>
-          <a:lstStyle/>
-          <a:p>
-            <a:r>
-              <a:rPr lang="zh-CN" altLang="en-US" dirty="0"/>
-              <a:t>用圆规丈量</a:t>
-            </a:r>
-            <a:r>
-              <a:rPr lang="zh-CN" altLang="en-US" dirty="0" smtClean="0"/>
-              <a:t>宇宙</a:t>
-            </a:r>
-            <a:r>
-              <a:rPr lang="en-US" altLang="zh-CN" dirty="0"/>
-              <a:t>LIGO</a:t>
-            </a:r>
-            <a:endParaRPr lang="zh-CN" altLang="en-US" dirty="0"/>
-          </a:p>
-        </p:txBody>
-      </p:sp>
-    </p:spTree>
-    <p:extLst>
-      <p:ext uri="{BB962C8B-B14F-4D97-AF65-F5344CB8AC3E}">
-        <p14:creationId xmlns:p14="http://schemas.microsoft.com/office/powerpoint/2010/main" val="922775651"/>
+        <p14:creationId xmlns:p14="http://schemas.microsoft.com/office/powerpoint/2010/main" val="3894435010"/>
       </p:ext>
     </p:extLst>
   </p:cSld>
